--- a/docs/diagrams/GroupSequenceDiagram.pptx
+++ b/docs/diagrams/GroupSequenceDiagram.pptx
@@ -107,6 +107,11 @@
       </a:defRPr>
     </a:lvl9pPr>
   </p:defaultTextStyle>
+  <p:extLst>
+    <p:ext uri="{EFAFB233-063F-42B5-8137-9DF3F51BA10A}">
+      <p15:sldGuideLst xmlns:p15="http://schemas.microsoft.com/office/powerpoint/2012/main"/>
+    </p:ext>
+  </p:extLst>
 </p:presentation>
 </file>
 
@@ -192,7 +197,7 @@
           <a:p>
             <a:fld id="{62511F6D-3957-4073-A6EA-8AA084D57D2E}" type="datetimeFigureOut">
               <a:rPr lang="en-US" smtClean="0"/>
-              <a:t>10/13/2018</a:t>
+              <a:t>10/20/2018</a:t>
             </a:fld>
             <a:endParaRPr lang="en-US"/>
           </a:p>
@@ -256,38 +261,37 @@
           <a:p>
             <a:pPr lvl="0"/>
             <a:r>
-              <a:rPr lang="en-US" smtClean="0"/>
+              <a:rPr lang="en-US"/>
               <a:t>Click to edit Master text styles</a:t>
             </a:r>
           </a:p>
           <a:p>
             <a:pPr lvl="1"/>
             <a:r>
-              <a:rPr lang="en-US" smtClean="0"/>
+              <a:rPr lang="en-US"/>
               <a:t>Second level</a:t>
             </a:r>
           </a:p>
           <a:p>
             <a:pPr lvl="2"/>
             <a:r>
-              <a:rPr lang="en-US" smtClean="0"/>
+              <a:rPr lang="en-US"/>
               <a:t>Third level</a:t>
             </a:r>
           </a:p>
           <a:p>
             <a:pPr lvl="3"/>
             <a:r>
-              <a:rPr lang="en-US" smtClean="0"/>
+              <a:rPr lang="en-US"/>
               <a:t>Fourth level</a:t>
             </a:r>
           </a:p>
           <a:p>
             <a:pPr lvl="4"/>
             <a:r>
-              <a:rPr lang="en-US" smtClean="0"/>
+              <a:rPr lang="en-US"/>
               <a:t>Fifth level</a:t>
             </a:r>
-            <a:endParaRPr lang="en-US"/>
           </a:p>
         </p:txBody>
       </p:sp>
@@ -505,12 +509,8 @@
           <a:lstStyle/>
           <a:p>
             <a:r>
-              <a:rPr lang="en-SG" dirty="0" smtClean="0"/>
-              <a:t>Group Sequence </a:t>
-            </a:r>
-            <a:r>
-              <a:rPr lang="en-SG" dirty="0" smtClean="0"/>
-              <a:t>Diagram</a:t>
+              <a:rPr lang="en-SG" dirty="0"/>
+              <a:t>Group Sequence Diagram</a:t>
             </a:r>
             <a:endParaRPr lang="en-US" dirty="0"/>
           </a:p>
@@ -594,10 +594,9 @@
           </a:lstStyle>
           <a:p>
             <a:r>
-              <a:rPr lang="en-US" smtClean="0"/>
+              <a:rPr lang="en-US"/>
               <a:t>Click to edit Master title style</a:t>
             </a:r>
-            <a:endParaRPr lang="en-US"/>
           </a:p>
         </p:txBody>
       </p:sp>
@@ -659,10 +658,9 @@
           </a:lstStyle>
           <a:p>
             <a:r>
-              <a:rPr lang="en-US" smtClean="0"/>
+              <a:rPr lang="en-US"/>
               <a:t>Click to edit Master subtitle style</a:t>
             </a:r>
-            <a:endParaRPr lang="en-US"/>
           </a:p>
         </p:txBody>
       </p:sp>
@@ -683,7 +681,7 @@
           <a:p>
             <a:fld id="{56380CDC-2C67-42AA-B1DF-B7373BF777ED}" type="datetimeFigureOut">
               <a:rPr lang="en-US" smtClean="0"/>
-              <a:t>10/13/2018</a:t>
+              <a:t>10/20/2018</a:t>
             </a:fld>
             <a:endParaRPr lang="en-US"/>
           </a:p>
@@ -777,10 +775,9 @@
           <a:lstStyle/>
           <a:p>
             <a:r>
-              <a:rPr lang="en-US" smtClean="0"/>
+              <a:rPr lang="en-US"/>
               <a:t>Click to edit Master title style</a:t>
             </a:r>
-            <a:endParaRPr lang="en-US"/>
           </a:p>
         </p:txBody>
       </p:sp>
@@ -801,38 +798,37 @@
           <a:p>
             <a:pPr lvl="0"/>
             <a:r>
-              <a:rPr lang="en-US" smtClean="0"/>
+              <a:rPr lang="en-US"/>
               <a:t>Click to edit Master text styles</a:t>
             </a:r>
           </a:p>
           <a:p>
             <a:pPr lvl="1"/>
             <a:r>
-              <a:rPr lang="en-US" smtClean="0"/>
+              <a:rPr lang="en-US"/>
               <a:t>Second level</a:t>
             </a:r>
           </a:p>
           <a:p>
             <a:pPr lvl="2"/>
             <a:r>
-              <a:rPr lang="en-US" smtClean="0"/>
+              <a:rPr lang="en-US"/>
               <a:t>Third level</a:t>
             </a:r>
           </a:p>
           <a:p>
             <a:pPr lvl="3"/>
             <a:r>
-              <a:rPr lang="en-US" smtClean="0"/>
+              <a:rPr lang="en-US"/>
               <a:t>Fourth level</a:t>
             </a:r>
           </a:p>
           <a:p>
             <a:pPr lvl="4"/>
             <a:r>
-              <a:rPr lang="en-US" smtClean="0"/>
+              <a:rPr lang="en-US"/>
               <a:t>Fifth level</a:t>
             </a:r>
-            <a:endParaRPr lang="en-US"/>
           </a:p>
         </p:txBody>
       </p:sp>
@@ -853,7 +849,7 @@
           <a:p>
             <a:fld id="{56380CDC-2C67-42AA-B1DF-B7373BF777ED}" type="datetimeFigureOut">
               <a:rPr lang="en-US" smtClean="0"/>
-              <a:t>10/13/2018</a:t>
+              <a:t>10/20/2018</a:t>
             </a:fld>
             <a:endParaRPr lang="en-US"/>
           </a:p>
@@ -952,10 +948,9 @@
           <a:lstStyle/>
           <a:p>
             <a:r>
-              <a:rPr lang="en-US" smtClean="0"/>
+              <a:rPr lang="en-US"/>
               <a:t>Click to edit Master title style</a:t>
             </a:r>
-            <a:endParaRPr lang="en-US"/>
           </a:p>
         </p:txBody>
       </p:sp>
@@ -981,38 +976,37 @@
           <a:p>
             <a:pPr lvl="0"/>
             <a:r>
-              <a:rPr lang="en-US" smtClean="0"/>
+              <a:rPr lang="en-US"/>
               <a:t>Click to edit Master text styles</a:t>
             </a:r>
           </a:p>
           <a:p>
             <a:pPr lvl="1"/>
             <a:r>
-              <a:rPr lang="en-US" smtClean="0"/>
+              <a:rPr lang="en-US"/>
               <a:t>Second level</a:t>
             </a:r>
           </a:p>
           <a:p>
             <a:pPr lvl="2"/>
             <a:r>
-              <a:rPr lang="en-US" smtClean="0"/>
+              <a:rPr lang="en-US"/>
               <a:t>Third level</a:t>
             </a:r>
           </a:p>
           <a:p>
             <a:pPr lvl="3"/>
             <a:r>
-              <a:rPr lang="en-US" smtClean="0"/>
+              <a:rPr lang="en-US"/>
               <a:t>Fourth level</a:t>
             </a:r>
           </a:p>
           <a:p>
             <a:pPr lvl="4"/>
             <a:r>
-              <a:rPr lang="en-US" smtClean="0"/>
+              <a:rPr lang="en-US"/>
               <a:t>Fifth level</a:t>
             </a:r>
-            <a:endParaRPr lang="en-US"/>
           </a:p>
         </p:txBody>
       </p:sp>
@@ -1033,7 +1027,7 @@
           <a:p>
             <a:fld id="{56380CDC-2C67-42AA-B1DF-B7373BF777ED}" type="datetimeFigureOut">
               <a:rPr lang="en-US" smtClean="0"/>
-              <a:t>10/13/2018</a:t>
+              <a:t>10/20/2018</a:t>
             </a:fld>
             <a:endParaRPr lang="en-US"/>
           </a:p>
@@ -1127,10 +1121,9 @@
           <a:lstStyle/>
           <a:p>
             <a:r>
-              <a:rPr lang="en-US" smtClean="0"/>
+              <a:rPr lang="en-US"/>
               <a:t>Click to edit Master title style</a:t>
             </a:r>
-            <a:endParaRPr lang="en-US"/>
           </a:p>
         </p:txBody>
       </p:sp>
@@ -1151,38 +1144,37 @@
           <a:p>
             <a:pPr lvl="0"/>
             <a:r>
-              <a:rPr lang="en-US" smtClean="0"/>
+              <a:rPr lang="en-US"/>
               <a:t>Click to edit Master text styles</a:t>
             </a:r>
           </a:p>
           <a:p>
             <a:pPr lvl="1"/>
             <a:r>
-              <a:rPr lang="en-US" smtClean="0"/>
+              <a:rPr lang="en-US"/>
               <a:t>Second level</a:t>
             </a:r>
           </a:p>
           <a:p>
             <a:pPr lvl="2"/>
             <a:r>
-              <a:rPr lang="en-US" smtClean="0"/>
+              <a:rPr lang="en-US"/>
               <a:t>Third level</a:t>
             </a:r>
           </a:p>
           <a:p>
             <a:pPr lvl="3"/>
             <a:r>
-              <a:rPr lang="en-US" smtClean="0"/>
+              <a:rPr lang="en-US"/>
               <a:t>Fourth level</a:t>
             </a:r>
           </a:p>
           <a:p>
             <a:pPr lvl="4"/>
             <a:r>
-              <a:rPr lang="en-US" smtClean="0"/>
+              <a:rPr lang="en-US"/>
               <a:t>Fifth level</a:t>
             </a:r>
-            <a:endParaRPr lang="en-US"/>
           </a:p>
         </p:txBody>
       </p:sp>
@@ -1203,7 +1195,7 @@
           <a:p>
             <a:fld id="{56380CDC-2C67-42AA-B1DF-B7373BF777ED}" type="datetimeFigureOut">
               <a:rPr lang="en-US" smtClean="0"/>
-              <a:t>10/13/2018</a:t>
+              <a:t>10/20/2018</a:t>
             </a:fld>
             <a:endParaRPr lang="en-US"/>
           </a:p>
@@ -1306,10 +1298,9 @@
           </a:lstStyle>
           <a:p>
             <a:r>
-              <a:rPr lang="en-US" smtClean="0"/>
+              <a:rPr lang="en-US"/>
               <a:t>Click to edit Master title style</a:t>
             </a:r>
-            <a:endParaRPr lang="en-US"/>
           </a:p>
         </p:txBody>
       </p:sp>
@@ -1426,7 +1417,7 @@
           <a:p>
             <a:pPr lvl="0"/>
             <a:r>
-              <a:rPr lang="en-US" smtClean="0"/>
+              <a:rPr lang="en-US"/>
               <a:t>Click to edit Master text styles</a:t>
             </a:r>
           </a:p>
@@ -1449,7 +1440,7 @@
           <a:p>
             <a:fld id="{56380CDC-2C67-42AA-B1DF-B7373BF777ED}" type="datetimeFigureOut">
               <a:rPr lang="en-US" smtClean="0"/>
-              <a:t>10/13/2018</a:t>
+              <a:t>10/20/2018</a:t>
             </a:fld>
             <a:endParaRPr lang="en-US"/>
           </a:p>
@@ -1543,10 +1534,9 @@
           <a:lstStyle/>
           <a:p>
             <a:r>
-              <a:rPr lang="en-US" smtClean="0"/>
+              <a:rPr lang="en-US"/>
               <a:t>Click to edit Master title style</a:t>
             </a:r>
-            <a:endParaRPr lang="en-US"/>
           </a:p>
         </p:txBody>
       </p:sp>
@@ -1572,38 +1562,37 @@
           <a:p>
             <a:pPr lvl="0"/>
             <a:r>
-              <a:rPr lang="en-US" smtClean="0"/>
+              <a:rPr lang="en-US"/>
               <a:t>Click to edit Master text styles</a:t>
             </a:r>
           </a:p>
           <a:p>
             <a:pPr lvl="1"/>
             <a:r>
-              <a:rPr lang="en-US" smtClean="0"/>
+              <a:rPr lang="en-US"/>
               <a:t>Second level</a:t>
             </a:r>
           </a:p>
           <a:p>
             <a:pPr lvl="2"/>
             <a:r>
-              <a:rPr lang="en-US" smtClean="0"/>
+              <a:rPr lang="en-US"/>
               <a:t>Third level</a:t>
             </a:r>
           </a:p>
           <a:p>
             <a:pPr lvl="3"/>
             <a:r>
-              <a:rPr lang="en-US" smtClean="0"/>
+              <a:rPr lang="en-US"/>
               <a:t>Fourth level</a:t>
             </a:r>
           </a:p>
           <a:p>
             <a:pPr lvl="4"/>
             <a:r>
-              <a:rPr lang="en-US" smtClean="0"/>
+              <a:rPr lang="en-US"/>
               <a:t>Fifth level</a:t>
             </a:r>
-            <a:endParaRPr lang="en-US"/>
           </a:p>
         </p:txBody>
       </p:sp>
@@ -1629,38 +1618,37 @@
           <a:p>
             <a:pPr lvl="0"/>
             <a:r>
-              <a:rPr lang="en-US" smtClean="0"/>
+              <a:rPr lang="en-US"/>
               <a:t>Click to edit Master text styles</a:t>
             </a:r>
           </a:p>
           <a:p>
             <a:pPr lvl="1"/>
             <a:r>
-              <a:rPr lang="en-US" smtClean="0"/>
+              <a:rPr lang="en-US"/>
               <a:t>Second level</a:t>
             </a:r>
           </a:p>
           <a:p>
             <a:pPr lvl="2"/>
             <a:r>
-              <a:rPr lang="en-US" smtClean="0"/>
+              <a:rPr lang="en-US"/>
               <a:t>Third level</a:t>
             </a:r>
           </a:p>
           <a:p>
             <a:pPr lvl="3"/>
             <a:r>
-              <a:rPr lang="en-US" smtClean="0"/>
+              <a:rPr lang="en-US"/>
               <a:t>Fourth level</a:t>
             </a:r>
           </a:p>
           <a:p>
             <a:pPr lvl="4"/>
             <a:r>
-              <a:rPr lang="en-US" smtClean="0"/>
+              <a:rPr lang="en-US"/>
               <a:t>Fifth level</a:t>
             </a:r>
-            <a:endParaRPr lang="en-US"/>
           </a:p>
         </p:txBody>
       </p:sp>
@@ -1681,7 +1669,7 @@
           <a:p>
             <a:fld id="{56380CDC-2C67-42AA-B1DF-B7373BF777ED}" type="datetimeFigureOut">
               <a:rPr lang="en-US" smtClean="0"/>
-              <a:t>10/13/2018</a:t>
+              <a:t>10/20/2018</a:t>
             </a:fld>
             <a:endParaRPr lang="en-US"/>
           </a:p>
@@ -1780,10 +1768,9 @@
           <a:lstStyle/>
           <a:p>
             <a:r>
-              <a:rPr lang="en-US" smtClean="0"/>
+              <a:rPr lang="en-US"/>
               <a:t>Click to edit Master title style</a:t>
             </a:r>
-            <a:endParaRPr lang="en-US"/>
           </a:p>
         </p:txBody>
       </p:sp>
@@ -1846,7 +1833,7 @@
           <a:p>
             <a:pPr lvl="0"/>
             <a:r>
-              <a:rPr lang="en-US" smtClean="0"/>
+              <a:rPr lang="en-US"/>
               <a:t>Click to edit Master text styles</a:t>
             </a:r>
           </a:p>
@@ -1874,38 +1861,37 @@
           <a:p>
             <a:pPr lvl="0"/>
             <a:r>
-              <a:rPr lang="en-US" smtClean="0"/>
+              <a:rPr lang="en-US"/>
               <a:t>Click to edit Master text styles</a:t>
             </a:r>
           </a:p>
           <a:p>
             <a:pPr lvl="1"/>
             <a:r>
-              <a:rPr lang="en-US" smtClean="0"/>
+              <a:rPr lang="en-US"/>
               <a:t>Second level</a:t>
             </a:r>
           </a:p>
           <a:p>
             <a:pPr lvl="2"/>
             <a:r>
-              <a:rPr lang="en-US" smtClean="0"/>
+              <a:rPr lang="en-US"/>
               <a:t>Third level</a:t>
             </a:r>
           </a:p>
           <a:p>
             <a:pPr lvl="3"/>
             <a:r>
-              <a:rPr lang="en-US" smtClean="0"/>
+              <a:rPr lang="en-US"/>
               <a:t>Fourth level</a:t>
             </a:r>
           </a:p>
           <a:p>
             <a:pPr lvl="4"/>
             <a:r>
-              <a:rPr lang="en-US" smtClean="0"/>
+              <a:rPr lang="en-US"/>
               <a:t>Fifth level</a:t>
             </a:r>
-            <a:endParaRPr lang="en-US"/>
           </a:p>
         </p:txBody>
       </p:sp>
@@ -1968,7 +1954,7 @@
           <a:p>
             <a:pPr lvl="0"/>
             <a:r>
-              <a:rPr lang="en-US" smtClean="0"/>
+              <a:rPr lang="en-US"/>
               <a:t>Click to edit Master text styles</a:t>
             </a:r>
           </a:p>
@@ -1996,38 +1982,37 @@
           <a:p>
             <a:pPr lvl="0"/>
             <a:r>
-              <a:rPr lang="en-US" smtClean="0"/>
+              <a:rPr lang="en-US"/>
               <a:t>Click to edit Master text styles</a:t>
             </a:r>
           </a:p>
           <a:p>
             <a:pPr lvl="1"/>
             <a:r>
-              <a:rPr lang="en-US" smtClean="0"/>
+              <a:rPr lang="en-US"/>
               <a:t>Second level</a:t>
             </a:r>
           </a:p>
           <a:p>
             <a:pPr lvl="2"/>
             <a:r>
-              <a:rPr lang="en-US" smtClean="0"/>
+              <a:rPr lang="en-US"/>
               <a:t>Third level</a:t>
             </a:r>
           </a:p>
           <a:p>
             <a:pPr lvl="3"/>
             <a:r>
-              <a:rPr lang="en-US" smtClean="0"/>
+              <a:rPr lang="en-US"/>
               <a:t>Fourth level</a:t>
             </a:r>
           </a:p>
           <a:p>
             <a:pPr lvl="4"/>
             <a:r>
-              <a:rPr lang="en-US" smtClean="0"/>
+              <a:rPr lang="en-US"/>
               <a:t>Fifth level</a:t>
             </a:r>
-            <a:endParaRPr lang="en-US"/>
           </a:p>
         </p:txBody>
       </p:sp>
@@ -2048,7 +2033,7 @@
           <a:p>
             <a:fld id="{56380CDC-2C67-42AA-B1DF-B7373BF777ED}" type="datetimeFigureOut">
               <a:rPr lang="en-US" smtClean="0"/>
-              <a:t>10/13/2018</a:t>
+              <a:t>10/20/2018</a:t>
             </a:fld>
             <a:endParaRPr lang="en-US"/>
           </a:p>
@@ -2142,10 +2127,9 @@
           <a:lstStyle/>
           <a:p>
             <a:r>
-              <a:rPr lang="en-US" smtClean="0"/>
+              <a:rPr lang="en-US"/>
               <a:t>Click to edit Master title style</a:t>
             </a:r>
-            <a:endParaRPr lang="en-US"/>
           </a:p>
         </p:txBody>
       </p:sp>
@@ -2166,7 +2150,7 @@
           <a:p>
             <a:fld id="{56380CDC-2C67-42AA-B1DF-B7373BF777ED}" type="datetimeFigureOut">
               <a:rPr lang="en-US" smtClean="0"/>
-              <a:t>10/13/2018</a:t>
+              <a:t>10/20/2018</a:t>
             </a:fld>
             <a:endParaRPr lang="en-US"/>
           </a:p>
@@ -2261,7 +2245,7 @@
           <a:p>
             <a:fld id="{56380CDC-2C67-42AA-B1DF-B7373BF777ED}" type="datetimeFigureOut">
               <a:rPr lang="en-US" smtClean="0"/>
-              <a:t>10/13/2018</a:t>
+              <a:t>10/20/2018</a:t>
             </a:fld>
             <a:endParaRPr lang="en-US"/>
           </a:p>
@@ -2364,10 +2348,9 @@
           </a:lstStyle>
           <a:p>
             <a:r>
-              <a:rPr lang="en-US" smtClean="0"/>
+              <a:rPr lang="en-US"/>
               <a:t>Click to edit Master title style</a:t>
             </a:r>
-            <a:endParaRPr lang="en-US"/>
           </a:p>
         </p:txBody>
       </p:sp>
@@ -2421,38 +2404,37 @@
           <a:p>
             <a:pPr lvl="0"/>
             <a:r>
-              <a:rPr lang="en-US" smtClean="0"/>
+              <a:rPr lang="en-US"/>
               <a:t>Click to edit Master text styles</a:t>
             </a:r>
           </a:p>
           <a:p>
             <a:pPr lvl="1"/>
             <a:r>
-              <a:rPr lang="en-US" smtClean="0"/>
+              <a:rPr lang="en-US"/>
               <a:t>Second level</a:t>
             </a:r>
           </a:p>
           <a:p>
             <a:pPr lvl="2"/>
             <a:r>
-              <a:rPr lang="en-US" smtClean="0"/>
+              <a:rPr lang="en-US"/>
               <a:t>Third level</a:t>
             </a:r>
           </a:p>
           <a:p>
             <a:pPr lvl="3"/>
             <a:r>
-              <a:rPr lang="en-US" smtClean="0"/>
+              <a:rPr lang="en-US"/>
               <a:t>Fourth level</a:t>
             </a:r>
           </a:p>
           <a:p>
             <a:pPr lvl="4"/>
             <a:r>
-              <a:rPr lang="en-US" smtClean="0"/>
+              <a:rPr lang="en-US"/>
               <a:t>Fifth level</a:t>
             </a:r>
-            <a:endParaRPr lang="en-US"/>
           </a:p>
         </p:txBody>
       </p:sp>
@@ -2515,7 +2497,7 @@
           <a:p>
             <a:pPr lvl="0"/>
             <a:r>
-              <a:rPr lang="en-US" smtClean="0"/>
+              <a:rPr lang="en-US"/>
               <a:t>Click to edit Master text styles</a:t>
             </a:r>
           </a:p>
@@ -2538,7 +2520,7 @@
           <a:p>
             <a:fld id="{56380CDC-2C67-42AA-B1DF-B7373BF777ED}" type="datetimeFigureOut">
               <a:rPr lang="en-US" smtClean="0"/>
-              <a:t>10/13/2018</a:t>
+              <a:t>10/20/2018</a:t>
             </a:fld>
             <a:endParaRPr lang="en-US"/>
           </a:p>
@@ -2641,10 +2623,9 @@
           </a:lstStyle>
           <a:p>
             <a:r>
-              <a:rPr lang="en-US" smtClean="0"/>
+              <a:rPr lang="en-US"/>
               <a:t>Click to edit Master title style</a:t>
             </a:r>
-            <a:endParaRPr lang="en-US"/>
           </a:p>
         </p:txBody>
       </p:sp>
@@ -2768,7 +2749,7 @@
           <a:p>
             <a:pPr lvl="0"/>
             <a:r>
-              <a:rPr lang="en-US" smtClean="0"/>
+              <a:rPr lang="en-US"/>
               <a:t>Click to edit Master text styles</a:t>
             </a:r>
           </a:p>
@@ -2791,7 +2772,7 @@
           <a:p>
             <a:fld id="{56380CDC-2C67-42AA-B1DF-B7373BF777ED}" type="datetimeFigureOut">
               <a:rPr lang="en-US" smtClean="0"/>
-              <a:t>10/13/2018</a:t>
+              <a:t>10/20/2018</a:t>
             </a:fld>
             <a:endParaRPr lang="en-US"/>
           </a:p>
@@ -2900,10 +2881,9 @@
           <a:lstStyle/>
           <a:p>
             <a:r>
-              <a:rPr lang="en-US" smtClean="0"/>
+              <a:rPr lang="en-US"/>
               <a:t>Click to edit Master title style</a:t>
             </a:r>
-            <a:endParaRPr lang="en-US"/>
           </a:p>
         </p:txBody>
       </p:sp>
@@ -2934,38 +2914,37 @@
           <a:p>
             <a:pPr lvl="0"/>
             <a:r>
-              <a:rPr lang="en-US" smtClean="0"/>
+              <a:rPr lang="en-US"/>
               <a:t>Click to edit Master text styles</a:t>
             </a:r>
           </a:p>
           <a:p>
             <a:pPr lvl="1"/>
             <a:r>
-              <a:rPr lang="en-US" smtClean="0"/>
+              <a:rPr lang="en-US"/>
               <a:t>Second level</a:t>
             </a:r>
           </a:p>
           <a:p>
             <a:pPr lvl="2"/>
             <a:r>
-              <a:rPr lang="en-US" smtClean="0"/>
+              <a:rPr lang="en-US"/>
               <a:t>Third level</a:t>
             </a:r>
           </a:p>
           <a:p>
             <a:pPr lvl="3"/>
             <a:r>
-              <a:rPr lang="en-US" smtClean="0"/>
+              <a:rPr lang="en-US"/>
               <a:t>Fourth level</a:t>
             </a:r>
           </a:p>
           <a:p>
             <a:pPr lvl="4"/>
             <a:r>
-              <a:rPr lang="en-US" smtClean="0"/>
+              <a:rPr lang="en-US"/>
               <a:t>Fifth level</a:t>
             </a:r>
-            <a:endParaRPr lang="en-US"/>
           </a:p>
         </p:txBody>
       </p:sp>
@@ -3004,7 +2983,7 @@
           <a:p>
             <a:fld id="{56380CDC-2C67-42AA-B1DF-B7373BF777ED}" type="datetimeFigureOut">
               <a:rPr lang="en-US" smtClean="0"/>
-              <a:t>10/13/2018</a:t>
+              <a:t>10/20/2018</a:t>
             </a:fld>
             <a:endParaRPr lang="en-US"/>
           </a:p>
@@ -3417,7 +3396,7 @@
         </p:nvSpPr>
         <p:spPr>
           <a:xfrm>
-            <a:off x="9272660" y="158637"/>
+            <a:off x="9270131" y="154256"/>
             <a:ext cx="1395341" cy="4347781"/>
           </a:xfrm>
           <a:prstGeom prst="roundRect">
@@ -3887,13 +3866,15 @@
       <p:cxnSp>
         <p:nvCxnSpPr>
           <p:cNvPr id="23" name="Straight Arrow Connector 22"/>
-          <p:cNvCxnSpPr/>
+          <p:cNvCxnSpPr>
+            <a:cxnSpLocks/>
+          </p:cNvCxnSpPr>
           <p:nvPr/>
         </p:nvCxnSpPr>
         <p:spPr>
           <a:xfrm>
-            <a:off x="1943101" y="1261999"/>
-            <a:ext cx="1119851" cy="0"/>
+            <a:off x="1088571" y="1258312"/>
+            <a:ext cx="1974381" cy="3687"/>
           </a:xfrm>
           <a:prstGeom prst="straightConnector1">
             <a:avLst/>
@@ -3948,15 +3929,7 @@
                   <a:srgbClr val="0070C0"/>
                 </a:solidFill>
               </a:rPr>
-              <a:t>execute</a:t>
-            </a:r>
-            <a:r>
-              <a:rPr lang="en-US" sz="1100" dirty="0">
-                <a:solidFill>
-                  <a:srgbClr val="0070C0"/>
-                </a:solidFill>
-              </a:rPr>
-              <a:t>(</a:t>
+              <a:t>execute(</a:t>
             </a:r>
           </a:p>
           <a:p>
@@ -3968,11 +3941,6 @@
               </a:rPr>
               <a:t>“group Monday”)</a:t>
             </a:r>
-            <a:endParaRPr lang="en-US" sz="1100" dirty="0">
-              <a:solidFill>
-                <a:srgbClr val="0070C0"/>
-              </a:solidFill>
-            </a:endParaRPr>
           </a:p>
         </p:txBody>
       </p:sp>
@@ -4217,11 +4185,6 @@
               </a:rPr>
               <a:t>()</a:t>
             </a:r>
-            <a:endParaRPr lang="en-US" sz="1000" dirty="0">
-              <a:solidFill>
-                <a:srgbClr val="7030A0"/>
-              </a:solidFill>
-            </a:endParaRPr>
           </a:p>
         </p:txBody>
       </p:sp>
@@ -4266,7 +4229,6 @@
               <a:rPr lang="en-US" sz="1100" dirty="0"/>
               <a:t>(“group Monday”)</a:t>
             </a:r>
-            <a:endParaRPr lang="en-US" sz="1100" dirty="0"/>
           </a:p>
         </p:txBody>
       </p:sp>
@@ -4358,7 +4320,7 @@
         </p:nvSpPr>
         <p:spPr>
           <a:xfrm>
-            <a:off x="9506904" y="2362200"/>
+            <a:off x="9492858" y="713883"/>
             <a:ext cx="841636" cy="300180"/>
           </a:xfrm>
           <a:prstGeom prst="rect">
@@ -4418,9 +4380,9 @@
           <p:nvPr/>
         </p:nvCxnSpPr>
         <p:spPr>
-          <a:xfrm flipH="1">
-            <a:off x="9943631" y="2653306"/>
-            <a:ext cx="3959" cy="1735710"/>
+          <a:xfrm>
+            <a:off x="9940468" y="1056121"/>
+            <a:ext cx="3164" cy="3332895"/>
           </a:xfrm>
           <a:prstGeom prst="line">
             <a:avLst/>
@@ -4456,8 +4418,8 @@
         </p:nvSpPr>
         <p:spPr>
           <a:xfrm>
-            <a:off x="9844666" y="2958107"/>
-            <a:ext cx="168896" cy="775693"/>
+            <a:off x="9844666" y="2958108"/>
+            <a:ext cx="183432" cy="135612"/>
           </a:xfrm>
           <a:prstGeom prst="rect">
             <a:avLst/>
@@ -4584,14 +4546,6 @@
               </a:rPr>
               <a:t>:Group</a:t>
             </a:r>
-            <a:r>
-              <a:rPr lang="en-US" sz="1050" dirty="0">
-                <a:solidFill>
-                  <a:schemeClr val="bg1"/>
-                </a:solidFill>
-              </a:rPr>
-              <a:t/>
-            </a:r>
             <a:br>
               <a:rPr lang="en-US" sz="1050" dirty="0">
                 <a:solidFill>
@@ -4620,7 +4574,7 @@
           <p:cNvPr id="66" name="Straight Arrow Connector 65">
             <a:extLst>
               <a:ext uri="{FF2B5EF4-FFF2-40B4-BE49-F238E27FC236}">
-                <a16:creationId xmlns="" xmlns:a16="http://schemas.microsoft.com/office/drawing/2014/main" id="{39916E2E-195A-4DC8-B025-B05FA87E6796}"/>
+                <a16:creationId xmlns:a16="http://schemas.microsoft.com/office/drawing/2014/main" id="{39916E2E-195A-4DC8-B025-B05FA87E6796}"/>
               </a:ext>
             </a:extLst>
           </p:cNvPr>
@@ -4664,7 +4618,7 @@
           <p:cNvPr id="67" name="Straight Arrow Connector 66">
             <a:extLst>
               <a:ext uri="{FF2B5EF4-FFF2-40B4-BE49-F238E27FC236}">
-                <a16:creationId xmlns="" xmlns:a16="http://schemas.microsoft.com/office/drawing/2014/main" id="{D881596E-177C-4FDC-8E60-CAB90B3D5FAB}"/>
+                <a16:creationId xmlns:a16="http://schemas.microsoft.com/office/drawing/2014/main" id="{D881596E-177C-4FDC-8E60-CAB90B3D5FAB}"/>
               </a:ext>
             </a:extLst>
           </p:cNvPr>
@@ -4708,7 +4662,7 @@
           <p:cNvPr id="69" name="Straight Arrow Connector 68">
             <a:extLst>
               <a:ext uri="{FF2B5EF4-FFF2-40B4-BE49-F238E27FC236}">
-                <a16:creationId xmlns="" xmlns:a16="http://schemas.microsoft.com/office/drawing/2014/main" id="{7C9F21BC-13A9-471F-825A-2621FD36355F}"/>
+                <a16:creationId xmlns:a16="http://schemas.microsoft.com/office/drawing/2014/main" id="{7C9F21BC-13A9-471F-825A-2621FD36355F}"/>
               </a:ext>
             </a:extLst>
           </p:cNvPr>
@@ -4754,7 +4708,7 @@
           <p:cNvPr id="63" name="Straight Arrow Connector 62">
             <a:extLst>
               <a:ext uri="{FF2B5EF4-FFF2-40B4-BE49-F238E27FC236}">
-                <a16:creationId xmlns="" xmlns:a16="http://schemas.microsoft.com/office/drawing/2014/main" id="{7C9F21BC-13A9-471F-825A-2621FD36355F}"/>
+                <a16:creationId xmlns:a16="http://schemas.microsoft.com/office/drawing/2014/main" id="{7C9F21BC-13A9-471F-825A-2621FD36355F}"/>
               </a:ext>
             </a:extLst>
           </p:cNvPr>
@@ -4765,7 +4719,7 @@
         </p:nvCxnSpPr>
         <p:spPr>
           <a:xfrm>
-            <a:off x="8411868" y="3733799"/>
+            <a:off x="8411868" y="3093720"/>
             <a:ext cx="1432799" cy="0"/>
           </a:xfrm>
           <a:prstGeom prst="straightConnector1">
@@ -4973,6 +4927,216 @@
             <a:prstDash val="sysDash"/>
             <a:headEnd type="arrow" w="med" len="med"/>
             <a:tailEnd type="none" w="med" len="med"/>
+          </a:ln>
+        </p:spPr>
+        <p:style>
+          <a:lnRef idx="1">
+            <a:schemeClr val="accent1"/>
+          </a:lnRef>
+          <a:fillRef idx="0">
+            <a:schemeClr val="accent1"/>
+          </a:fillRef>
+          <a:effectRef idx="0">
+            <a:schemeClr val="accent1"/>
+          </a:effectRef>
+          <a:fontRef idx="minor">
+            <a:schemeClr val="tx1"/>
+          </a:fontRef>
+        </p:style>
+      </p:cxnSp>
+      <p:sp>
+        <p:nvSpPr>
+          <p:cNvPr id="38" name="Rectangle 62">
+            <a:extLst>
+              <a:ext uri="{FF2B5EF4-FFF2-40B4-BE49-F238E27FC236}">
+                <a16:creationId xmlns:a16="http://schemas.microsoft.com/office/drawing/2014/main" id="{B8802F0A-4D78-47F0-8DFB-89576A4731C3}"/>
+              </a:ext>
+            </a:extLst>
+          </p:cNvPr>
+          <p:cNvSpPr/>
+          <p:nvPr/>
+        </p:nvSpPr>
+        <p:spPr>
+          <a:xfrm>
+            <a:off x="8557280" y="3220034"/>
+            <a:ext cx="1275707" cy="461538"/>
+          </a:xfrm>
+          <a:prstGeom prst="rect">
+            <a:avLst/>
+          </a:prstGeom>
+          <a:solidFill>
+            <a:srgbClr val="0070C0"/>
+          </a:solidFill>
+          <a:ln w="19050">
+            <a:solidFill>
+              <a:srgbClr val="0070C0"/>
+            </a:solidFill>
+          </a:ln>
+          <a:effectLst/>
+        </p:spPr>
+        <p:style>
+          <a:lnRef idx="1">
+            <a:schemeClr val="accent2"/>
+          </a:lnRef>
+          <a:fillRef idx="2">
+            <a:schemeClr val="accent2"/>
+          </a:fillRef>
+          <a:effectRef idx="1">
+            <a:schemeClr val="accent2"/>
+          </a:effectRef>
+          <a:fontRef idx="minor">
+            <a:schemeClr val="dk1"/>
+          </a:fontRef>
+        </p:style>
+        <p:txBody>
+          <a:bodyPr rtlCol="0" anchor="ctr"/>
+          <a:lstStyle/>
+          <a:p>
+            <a:pPr algn="ctr"/>
+            <a:r>
+              <a:rPr lang="en-US" sz="1200" dirty="0" err="1">
+                <a:solidFill>
+                  <a:schemeClr val="bg1"/>
+                </a:solidFill>
+              </a:rPr>
+              <a:t>result:Command</a:t>
+            </a:r>
+            <a:r>
+              <a:rPr lang="en-US" sz="1200" dirty="0">
+                <a:solidFill>
+                  <a:schemeClr val="bg1"/>
+                </a:solidFill>
+              </a:rPr>
+              <a:t> Result</a:t>
+            </a:r>
+            <a:endParaRPr lang="en-SG" sz="1200" dirty="0">
+              <a:solidFill>
+                <a:schemeClr val="bg1"/>
+              </a:solidFill>
+            </a:endParaRPr>
+          </a:p>
+        </p:txBody>
+      </p:sp>
+      <p:sp>
+        <p:nvSpPr>
+          <p:cNvPr id="39" name="Rectangle 38">
+            <a:extLst>
+              <a:ext uri="{FF2B5EF4-FFF2-40B4-BE49-F238E27FC236}">
+                <a16:creationId xmlns:a16="http://schemas.microsoft.com/office/drawing/2014/main" id="{8E4BE5F9-EB9B-4D28-A1DC-AB55BF8245AE}"/>
+              </a:ext>
+            </a:extLst>
+          </p:cNvPr>
+          <p:cNvSpPr/>
+          <p:nvPr/>
+        </p:nvSpPr>
+        <p:spPr>
+          <a:xfrm>
+            <a:off x="9123781" y="3681572"/>
+            <a:ext cx="152400" cy="171376"/>
+          </a:xfrm>
+          <a:prstGeom prst="rect">
+            <a:avLst/>
+          </a:prstGeom>
+          <a:solidFill>
+            <a:srgbClr val="0070C0"/>
+          </a:solidFill>
+          <a:ln>
+            <a:solidFill>
+              <a:srgbClr val="0070C0"/>
+            </a:solidFill>
+          </a:ln>
+          <a:effectLst/>
+        </p:spPr>
+        <p:style>
+          <a:lnRef idx="1">
+            <a:schemeClr val="accent3"/>
+          </a:lnRef>
+          <a:fillRef idx="2">
+            <a:schemeClr val="accent3"/>
+          </a:fillRef>
+          <a:effectRef idx="1">
+            <a:schemeClr val="accent3"/>
+          </a:effectRef>
+          <a:fontRef idx="minor">
+            <a:schemeClr val="dk1"/>
+          </a:fontRef>
+        </p:style>
+        <p:txBody>
+          <a:bodyPr rtlCol="0" anchor="ctr"/>
+          <a:lstStyle/>
+          <a:p>
+            <a:pPr algn="ctr"/>
+            <a:endParaRPr lang="en-SG" sz="1400"/>
+          </a:p>
+        </p:txBody>
+      </p:sp>
+      <p:cxnSp>
+        <p:nvCxnSpPr>
+          <p:cNvPr id="41" name="Straight Arrow Connector 40">
+            <a:extLst>
+              <a:ext uri="{FF2B5EF4-FFF2-40B4-BE49-F238E27FC236}">
+                <a16:creationId xmlns:a16="http://schemas.microsoft.com/office/drawing/2014/main" id="{D9B939C0-01B7-4875-BD2B-2E3D2CD16665}"/>
+              </a:ext>
+            </a:extLst>
+          </p:cNvPr>
+          <p:cNvCxnSpPr/>
+          <p:nvPr/>
+        </p:nvCxnSpPr>
+        <p:spPr>
+          <a:xfrm>
+            <a:off x="8361781" y="3852948"/>
+            <a:ext cx="762000" cy="0"/>
+          </a:xfrm>
+          <a:prstGeom prst="straightConnector1">
+            <a:avLst/>
+          </a:prstGeom>
+          <a:ln w="19050">
+            <a:solidFill>
+              <a:srgbClr val="0070C0"/>
+            </a:solidFill>
+            <a:prstDash val="sysDash"/>
+            <a:headEnd type="arrow" w="med" len="med"/>
+            <a:tailEnd type="none" w="med" len="med"/>
+          </a:ln>
+        </p:spPr>
+        <p:style>
+          <a:lnRef idx="1">
+            <a:schemeClr val="accent1"/>
+          </a:lnRef>
+          <a:fillRef idx="0">
+            <a:schemeClr val="accent1"/>
+          </a:fillRef>
+          <a:effectRef idx="0">
+            <a:schemeClr val="accent1"/>
+          </a:effectRef>
+          <a:fontRef idx="minor">
+            <a:schemeClr val="tx1"/>
+          </a:fontRef>
+        </p:style>
+      </p:cxnSp>
+      <p:cxnSp>
+        <p:nvCxnSpPr>
+          <p:cNvPr id="42" name="Straight Arrow Connector 41">
+            <a:extLst>
+              <a:ext uri="{FF2B5EF4-FFF2-40B4-BE49-F238E27FC236}">
+                <a16:creationId xmlns:a16="http://schemas.microsoft.com/office/drawing/2014/main" id="{FDEEDB0E-2FB7-44C0-B44A-8E7035A95B3F}"/>
+              </a:ext>
+            </a:extLst>
+          </p:cNvPr>
+          <p:cNvCxnSpPr/>
+          <p:nvPr/>
+        </p:nvCxnSpPr>
+        <p:spPr>
+          <a:xfrm>
+            <a:off x="8395033" y="3471948"/>
+            <a:ext cx="162246" cy="0"/>
+          </a:xfrm>
+          <a:prstGeom prst="straightConnector1">
+            <a:avLst/>
+          </a:prstGeom>
+          <a:ln w="19050">
+            <a:headEnd type="none" w="med" len="med"/>
+            <a:tailEnd type="arrow" w="med" len="med"/>
           </a:ln>
         </p:spPr>
         <p:style>
@@ -5000,13 +5164,6 @@
   <p:clrMapOvr>
     <a:masterClrMapping/>
   </p:clrMapOvr>
-  <p:timing>
-    <p:tnLst>
-      <p:par>
-        <p:cTn id="1" dur="indefinite" restart="never" nodeType="tmRoot"/>
-      </p:par>
-    </p:tnLst>
-  </p:timing>
 </p:sld>
 </file>
 

--- a/docs/diagrams/GroupSequenceDiagram.pptx
+++ b/docs/diagrams/GroupSequenceDiagram.pptx
@@ -197,7 +197,7 @@
           <a:p>
             <a:fld id="{62511F6D-3957-4073-A6EA-8AA084D57D2E}" type="datetimeFigureOut">
               <a:rPr lang="en-US" smtClean="0"/>
-              <a:t>10/20/2018</a:t>
+              <a:t>11/10/2018</a:t>
             </a:fld>
             <a:endParaRPr lang="en-US"/>
           </a:p>
@@ -681,7 +681,7 @@
           <a:p>
             <a:fld id="{56380CDC-2C67-42AA-B1DF-B7373BF777ED}" type="datetimeFigureOut">
               <a:rPr lang="en-US" smtClean="0"/>
-              <a:t>10/20/2018</a:t>
+              <a:t>11/10/2018</a:t>
             </a:fld>
             <a:endParaRPr lang="en-US"/>
           </a:p>
@@ -849,7 +849,7 @@
           <a:p>
             <a:fld id="{56380CDC-2C67-42AA-B1DF-B7373BF777ED}" type="datetimeFigureOut">
               <a:rPr lang="en-US" smtClean="0"/>
-              <a:t>10/20/2018</a:t>
+              <a:t>11/10/2018</a:t>
             </a:fld>
             <a:endParaRPr lang="en-US"/>
           </a:p>
@@ -1027,7 +1027,7 @@
           <a:p>
             <a:fld id="{56380CDC-2C67-42AA-B1DF-B7373BF777ED}" type="datetimeFigureOut">
               <a:rPr lang="en-US" smtClean="0"/>
-              <a:t>10/20/2018</a:t>
+              <a:t>11/10/2018</a:t>
             </a:fld>
             <a:endParaRPr lang="en-US"/>
           </a:p>
@@ -1195,7 +1195,7 @@
           <a:p>
             <a:fld id="{56380CDC-2C67-42AA-B1DF-B7373BF777ED}" type="datetimeFigureOut">
               <a:rPr lang="en-US" smtClean="0"/>
-              <a:t>10/20/2018</a:t>
+              <a:t>11/10/2018</a:t>
             </a:fld>
             <a:endParaRPr lang="en-US"/>
           </a:p>
@@ -1440,7 +1440,7 @@
           <a:p>
             <a:fld id="{56380CDC-2C67-42AA-B1DF-B7373BF777ED}" type="datetimeFigureOut">
               <a:rPr lang="en-US" smtClean="0"/>
-              <a:t>10/20/2018</a:t>
+              <a:t>11/10/2018</a:t>
             </a:fld>
             <a:endParaRPr lang="en-US"/>
           </a:p>
@@ -1669,7 +1669,7 @@
           <a:p>
             <a:fld id="{56380CDC-2C67-42AA-B1DF-B7373BF777ED}" type="datetimeFigureOut">
               <a:rPr lang="en-US" smtClean="0"/>
-              <a:t>10/20/2018</a:t>
+              <a:t>11/10/2018</a:t>
             </a:fld>
             <a:endParaRPr lang="en-US"/>
           </a:p>
@@ -2033,7 +2033,7 @@
           <a:p>
             <a:fld id="{56380CDC-2C67-42AA-B1DF-B7373BF777ED}" type="datetimeFigureOut">
               <a:rPr lang="en-US" smtClean="0"/>
-              <a:t>10/20/2018</a:t>
+              <a:t>11/10/2018</a:t>
             </a:fld>
             <a:endParaRPr lang="en-US"/>
           </a:p>
@@ -2150,7 +2150,7 @@
           <a:p>
             <a:fld id="{56380CDC-2C67-42AA-B1DF-B7373BF777ED}" type="datetimeFigureOut">
               <a:rPr lang="en-US" smtClean="0"/>
-              <a:t>10/20/2018</a:t>
+              <a:t>11/10/2018</a:t>
             </a:fld>
             <a:endParaRPr lang="en-US"/>
           </a:p>
@@ -2245,7 +2245,7 @@
           <a:p>
             <a:fld id="{56380CDC-2C67-42AA-B1DF-B7373BF777ED}" type="datetimeFigureOut">
               <a:rPr lang="en-US" smtClean="0"/>
-              <a:t>10/20/2018</a:t>
+              <a:t>11/10/2018</a:t>
             </a:fld>
             <a:endParaRPr lang="en-US"/>
           </a:p>
@@ -2520,7 +2520,7 @@
           <a:p>
             <a:fld id="{56380CDC-2C67-42AA-B1DF-B7373BF777ED}" type="datetimeFigureOut">
               <a:rPr lang="en-US" smtClean="0"/>
-              <a:t>10/20/2018</a:t>
+              <a:t>11/10/2018</a:t>
             </a:fld>
             <a:endParaRPr lang="en-US"/>
           </a:p>
@@ -2772,7 +2772,7 @@
           <a:p>
             <a:fld id="{56380CDC-2C67-42AA-B1DF-B7373BF777ED}" type="datetimeFigureOut">
               <a:rPr lang="en-US" smtClean="0"/>
-              <a:t>10/20/2018</a:t>
+              <a:t>11/10/2018</a:t>
             </a:fld>
             <a:endParaRPr lang="en-US"/>
           </a:p>
@@ -2983,7 +2983,7 @@
           <a:p>
             <a:fld id="{56380CDC-2C67-42AA-B1DF-B7373BF777ED}" type="datetimeFigureOut">
               <a:rPr lang="en-US" smtClean="0"/>
-              <a:t>10/20/2018</a:t>
+              <a:t>11/10/2018</a:t>
             </a:fld>
             <a:endParaRPr lang="en-US"/>
           </a:p>
@@ -3668,8 +3668,8 @@
         </p:nvSpPr>
         <p:spPr>
           <a:xfrm>
-            <a:off x="4961188" y="423022"/>
-            <a:ext cx="1219200" cy="467684"/>
+            <a:off x="4961187" y="423022"/>
+            <a:ext cx="1242075" cy="467684"/>
           </a:xfrm>
           <a:prstGeom prst="rect">
             <a:avLst/>
@@ -3709,18 +3709,15 @@
                   <a:schemeClr val="bg1"/>
                 </a:solidFill>
               </a:rPr>
-              <a:t>:Address</a:t>
-            </a:r>
-          </a:p>
-          <a:p>
-            <a:pPr algn="ctr"/>
+              <a:t>:</a:t>
+            </a:r>
             <a:r>
               <a:rPr lang="en-US" sz="1600" dirty="0" err="1">
                 <a:solidFill>
                   <a:schemeClr val="bg1"/>
                 </a:solidFill>
               </a:rPr>
-              <a:t>BookParser</a:t>
+              <a:t>TutorHelperParser</a:t>
             </a:r>
             <a:endParaRPr lang="en-SG" sz="1600" dirty="0">
               <a:solidFill>
@@ -4175,7 +4172,7 @@
                   <a:srgbClr val="7030A0"/>
                 </a:solidFill>
               </a:rPr>
-              <a:t>updateFilteredPersonList</a:t>
+              <a:t>updateFilteredStudentList</a:t>
             </a:r>
             <a:r>
               <a:rPr lang="en-US" sz="1000" dirty="0">

--- a/docs/diagrams/GroupSequenceDiagram.pptx
+++ b/docs/diagrams/GroupSequenceDiagram.pptx
@@ -5,10 +5,11 @@
     <p:sldMasterId id="2147483648" r:id="rId1"/>
   </p:sldMasterIdLst>
   <p:notesMasterIdLst>
-    <p:notesMasterId r:id="rId3"/>
+    <p:notesMasterId r:id="rId4"/>
   </p:notesMasterIdLst>
   <p:sldIdLst>
     <p:sldId id="257" r:id="rId2"/>
+    <p:sldId id="258" r:id="rId3"/>
   </p:sldIdLst>
   <p:sldSz cx="12192000" cy="6858000"/>
   <p:notesSz cx="6858000" cy="9144000"/>
@@ -197,7 +198,7 @@
           <a:p>
             <a:fld id="{62511F6D-3957-4073-A6EA-8AA084D57D2E}" type="datetimeFigureOut">
               <a:rPr lang="en-US" smtClean="0"/>
-              <a:t>11/10/2018</a:t>
+              <a:t>11/11/2018</a:t>
             </a:fld>
             <a:endParaRPr lang="en-US"/>
           </a:p>
@@ -261,37 +262,38 @@
           <a:p>
             <a:pPr lvl="0"/>
             <a:r>
-              <a:rPr lang="en-US"/>
+              <a:rPr lang="en-US" smtClean="0"/>
               <a:t>Click to edit Master text styles</a:t>
             </a:r>
           </a:p>
           <a:p>
             <a:pPr lvl="1"/>
             <a:r>
-              <a:rPr lang="en-US"/>
+              <a:rPr lang="en-US" smtClean="0"/>
               <a:t>Second level</a:t>
             </a:r>
           </a:p>
           <a:p>
             <a:pPr lvl="2"/>
             <a:r>
-              <a:rPr lang="en-US"/>
+              <a:rPr lang="en-US" smtClean="0"/>
               <a:t>Third level</a:t>
             </a:r>
           </a:p>
           <a:p>
             <a:pPr lvl="3"/>
             <a:r>
-              <a:rPr lang="en-US"/>
+              <a:rPr lang="en-US" smtClean="0"/>
               <a:t>Fourth level</a:t>
             </a:r>
           </a:p>
           <a:p>
             <a:pPr lvl="4"/>
             <a:r>
-              <a:rPr lang="en-US"/>
+              <a:rPr lang="en-US" smtClean="0"/>
               <a:t>Fifth level</a:t>
             </a:r>
+            <a:endParaRPr lang="en-US"/>
           </a:p>
         </p:txBody>
       </p:sp>
@@ -509,7 +511,7 @@
           <a:lstStyle/>
           <a:p>
             <a:r>
-              <a:rPr lang="en-SG" dirty="0"/>
+              <a:rPr lang="en-SG" dirty="0" smtClean="0"/>
               <a:t>Group Sequence Diagram</a:t>
             </a:r>
             <a:endParaRPr lang="en-US" dirty="0"/>
@@ -543,6 +545,94 @@
     <p:extLst>
       <p:ext uri="{BB962C8B-B14F-4D97-AF65-F5344CB8AC3E}">
         <p14:creationId xmlns:p14="http://schemas.microsoft.com/office/powerpoint/2010/main" val="2217512897"/>
+      </p:ext>
+    </p:extLst>
+  </p:cSld>
+  <p:clrMapOvr>
+    <a:masterClrMapping/>
+  </p:clrMapOvr>
+</p:notes>
+</file>
+
+<file path=ppt/notesSlides/notesSlide2.xml><?xml version="1.0" encoding="utf-8"?>
+<p:notes xmlns:a="http://schemas.openxmlformats.org/drawingml/2006/main" xmlns:r="http://schemas.openxmlformats.org/officeDocument/2006/relationships" xmlns:p="http://schemas.openxmlformats.org/presentationml/2006/main">
+  <p:cSld>
+    <p:spTree>
+      <p:nvGrpSpPr>
+        <p:cNvPr id="1" name=""/>
+        <p:cNvGrpSpPr/>
+        <p:nvPr/>
+      </p:nvGrpSpPr>
+      <p:grpSpPr>
+        <a:xfrm>
+          <a:off x="0" y="0"/>
+          <a:ext cx="0" cy="0"/>
+          <a:chOff x="0" y="0"/>
+          <a:chExt cx="0" cy="0"/>
+        </a:xfrm>
+      </p:grpSpPr>
+      <p:sp>
+        <p:nvSpPr>
+          <p:cNvPr id="2" name="Slide Image Placeholder 1"/>
+          <p:cNvSpPr>
+            <a:spLocks noGrp="1" noRot="1" noChangeAspect="1"/>
+          </p:cNvSpPr>
+          <p:nvPr>
+            <p:ph type="sldImg"/>
+          </p:nvPr>
+        </p:nvSpPr>
+        <p:spPr/>
+      </p:sp>
+      <p:sp>
+        <p:nvSpPr>
+          <p:cNvPr id="3" name="Notes Placeholder 2"/>
+          <p:cNvSpPr>
+            <a:spLocks noGrp="1"/>
+          </p:cNvSpPr>
+          <p:nvPr>
+            <p:ph type="body" idx="1"/>
+          </p:nvPr>
+        </p:nvSpPr>
+        <p:spPr/>
+        <p:txBody>
+          <a:bodyPr/>
+          <a:lstStyle/>
+          <a:p>
+            <a:r>
+              <a:rPr lang="en-SG" dirty="0" smtClean="0"/>
+              <a:t>Group Sequence Diagram</a:t>
+            </a:r>
+            <a:endParaRPr lang="en-US" dirty="0"/>
+          </a:p>
+        </p:txBody>
+      </p:sp>
+      <p:sp>
+        <p:nvSpPr>
+          <p:cNvPr id="4" name="Slide Number Placeholder 3"/>
+          <p:cNvSpPr>
+            <a:spLocks noGrp="1"/>
+          </p:cNvSpPr>
+          <p:nvPr>
+            <p:ph type="sldNum" sz="quarter" idx="10"/>
+          </p:nvPr>
+        </p:nvSpPr>
+        <p:spPr/>
+        <p:txBody>
+          <a:bodyPr/>
+          <a:lstStyle/>
+          <a:p>
+            <a:fld id="{5A7AB025-77E3-4BD1-A2FD-B3183DBA47A3}" type="slidenum">
+              <a:rPr lang="en-US" smtClean="0"/>
+              <a:t>2</a:t>
+            </a:fld>
+            <a:endParaRPr lang="en-US"/>
+          </a:p>
+        </p:txBody>
+      </p:sp>
+    </p:spTree>
+    <p:extLst>
+      <p:ext uri="{BB962C8B-B14F-4D97-AF65-F5344CB8AC3E}">
+        <p14:creationId xmlns:p14="http://schemas.microsoft.com/office/powerpoint/2010/main" val="2691306136"/>
       </p:ext>
     </p:extLst>
   </p:cSld>
@@ -594,9 +684,10 @@
           </a:lstStyle>
           <a:p>
             <a:r>
-              <a:rPr lang="en-US"/>
+              <a:rPr lang="en-US" smtClean="0"/>
               <a:t>Click to edit Master title style</a:t>
             </a:r>
+            <a:endParaRPr lang="en-US"/>
           </a:p>
         </p:txBody>
       </p:sp>
@@ -658,9 +749,10 @@
           </a:lstStyle>
           <a:p>
             <a:r>
-              <a:rPr lang="en-US"/>
+              <a:rPr lang="en-US" smtClean="0"/>
               <a:t>Click to edit Master subtitle style</a:t>
             </a:r>
+            <a:endParaRPr lang="en-US"/>
           </a:p>
         </p:txBody>
       </p:sp>
@@ -681,7 +773,7 @@
           <a:p>
             <a:fld id="{56380CDC-2C67-42AA-B1DF-B7373BF777ED}" type="datetimeFigureOut">
               <a:rPr lang="en-US" smtClean="0"/>
-              <a:t>11/10/2018</a:t>
+              <a:t>11/11/2018</a:t>
             </a:fld>
             <a:endParaRPr lang="en-US"/>
           </a:p>
@@ -775,9 +867,10 @@
           <a:lstStyle/>
           <a:p>
             <a:r>
-              <a:rPr lang="en-US"/>
+              <a:rPr lang="en-US" smtClean="0"/>
               <a:t>Click to edit Master title style</a:t>
             </a:r>
+            <a:endParaRPr lang="en-US"/>
           </a:p>
         </p:txBody>
       </p:sp>
@@ -798,37 +891,38 @@
           <a:p>
             <a:pPr lvl="0"/>
             <a:r>
-              <a:rPr lang="en-US"/>
+              <a:rPr lang="en-US" smtClean="0"/>
               <a:t>Click to edit Master text styles</a:t>
             </a:r>
           </a:p>
           <a:p>
             <a:pPr lvl="1"/>
             <a:r>
-              <a:rPr lang="en-US"/>
+              <a:rPr lang="en-US" smtClean="0"/>
               <a:t>Second level</a:t>
             </a:r>
           </a:p>
           <a:p>
             <a:pPr lvl="2"/>
             <a:r>
-              <a:rPr lang="en-US"/>
+              <a:rPr lang="en-US" smtClean="0"/>
               <a:t>Third level</a:t>
             </a:r>
           </a:p>
           <a:p>
             <a:pPr lvl="3"/>
             <a:r>
-              <a:rPr lang="en-US"/>
+              <a:rPr lang="en-US" smtClean="0"/>
               <a:t>Fourth level</a:t>
             </a:r>
           </a:p>
           <a:p>
             <a:pPr lvl="4"/>
             <a:r>
-              <a:rPr lang="en-US"/>
+              <a:rPr lang="en-US" smtClean="0"/>
               <a:t>Fifth level</a:t>
             </a:r>
+            <a:endParaRPr lang="en-US"/>
           </a:p>
         </p:txBody>
       </p:sp>
@@ -849,7 +943,7 @@
           <a:p>
             <a:fld id="{56380CDC-2C67-42AA-B1DF-B7373BF777ED}" type="datetimeFigureOut">
               <a:rPr lang="en-US" smtClean="0"/>
-              <a:t>11/10/2018</a:t>
+              <a:t>11/11/2018</a:t>
             </a:fld>
             <a:endParaRPr lang="en-US"/>
           </a:p>
@@ -948,9 +1042,10 @@
           <a:lstStyle/>
           <a:p>
             <a:r>
-              <a:rPr lang="en-US"/>
+              <a:rPr lang="en-US" smtClean="0"/>
               <a:t>Click to edit Master title style</a:t>
             </a:r>
+            <a:endParaRPr lang="en-US"/>
           </a:p>
         </p:txBody>
       </p:sp>
@@ -976,37 +1071,38 @@
           <a:p>
             <a:pPr lvl="0"/>
             <a:r>
-              <a:rPr lang="en-US"/>
+              <a:rPr lang="en-US" smtClean="0"/>
               <a:t>Click to edit Master text styles</a:t>
             </a:r>
           </a:p>
           <a:p>
             <a:pPr lvl="1"/>
             <a:r>
-              <a:rPr lang="en-US"/>
+              <a:rPr lang="en-US" smtClean="0"/>
               <a:t>Second level</a:t>
             </a:r>
           </a:p>
           <a:p>
             <a:pPr lvl="2"/>
             <a:r>
-              <a:rPr lang="en-US"/>
+              <a:rPr lang="en-US" smtClean="0"/>
               <a:t>Third level</a:t>
             </a:r>
           </a:p>
           <a:p>
             <a:pPr lvl="3"/>
             <a:r>
-              <a:rPr lang="en-US"/>
+              <a:rPr lang="en-US" smtClean="0"/>
               <a:t>Fourth level</a:t>
             </a:r>
           </a:p>
           <a:p>
             <a:pPr lvl="4"/>
             <a:r>
-              <a:rPr lang="en-US"/>
+              <a:rPr lang="en-US" smtClean="0"/>
               <a:t>Fifth level</a:t>
             </a:r>
+            <a:endParaRPr lang="en-US"/>
           </a:p>
         </p:txBody>
       </p:sp>
@@ -1027,7 +1123,7 @@
           <a:p>
             <a:fld id="{56380CDC-2C67-42AA-B1DF-B7373BF777ED}" type="datetimeFigureOut">
               <a:rPr lang="en-US" smtClean="0"/>
-              <a:t>11/10/2018</a:t>
+              <a:t>11/11/2018</a:t>
             </a:fld>
             <a:endParaRPr lang="en-US"/>
           </a:p>
@@ -1121,9 +1217,10 @@
           <a:lstStyle/>
           <a:p>
             <a:r>
-              <a:rPr lang="en-US"/>
+              <a:rPr lang="en-US" smtClean="0"/>
               <a:t>Click to edit Master title style</a:t>
             </a:r>
+            <a:endParaRPr lang="en-US"/>
           </a:p>
         </p:txBody>
       </p:sp>
@@ -1144,37 +1241,38 @@
           <a:p>
             <a:pPr lvl="0"/>
             <a:r>
-              <a:rPr lang="en-US"/>
+              <a:rPr lang="en-US" smtClean="0"/>
               <a:t>Click to edit Master text styles</a:t>
             </a:r>
           </a:p>
           <a:p>
             <a:pPr lvl="1"/>
             <a:r>
-              <a:rPr lang="en-US"/>
+              <a:rPr lang="en-US" smtClean="0"/>
               <a:t>Second level</a:t>
             </a:r>
           </a:p>
           <a:p>
             <a:pPr lvl="2"/>
             <a:r>
-              <a:rPr lang="en-US"/>
+              <a:rPr lang="en-US" smtClean="0"/>
               <a:t>Third level</a:t>
             </a:r>
           </a:p>
           <a:p>
             <a:pPr lvl="3"/>
             <a:r>
-              <a:rPr lang="en-US"/>
+              <a:rPr lang="en-US" smtClean="0"/>
               <a:t>Fourth level</a:t>
             </a:r>
           </a:p>
           <a:p>
             <a:pPr lvl="4"/>
             <a:r>
-              <a:rPr lang="en-US"/>
+              <a:rPr lang="en-US" smtClean="0"/>
               <a:t>Fifth level</a:t>
             </a:r>
+            <a:endParaRPr lang="en-US"/>
           </a:p>
         </p:txBody>
       </p:sp>
@@ -1195,7 +1293,7 @@
           <a:p>
             <a:fld id="{56380CDC-2C67-42AA-B1DF-B7373BF777ED}" type="datetimeFigureOut">
               <a:rPr lang="en-US" smtClean="0"/>
-              <a:t>11/10/2018</a:t>
+              <a:t>11/11/2018</a:t>
             </a:fld>
             <a:endParaRPr lang="en-US"/>
           </a:p>
@@ -1298,9 +1396,10 @@
           </a:lstStyle>
           <a:p>
             <a:r>
-              <a:rPr lang="en-US"/>
+              <a:rPr lang="en-US" smtClean="0"/>
               <a:t>Click to edit Master title style</a:t>
             </a:r>
+            <a:endParaRPr lang="en-US"/>
           </a:p>
         </p:txBody>
       </p:sp>
@@ -1417,7 +1516,7 @@
           <a:p>
             <a:pPr lvl="0"/>
             <a:r>
-              <a:rPr lang="en-US"/>
+              <a:rPr lang="en-US" smtClean="0"/>
               <a:t>Click to edit Master text styles</a:t>
             </a:r>
           </a:p>
@@ -1440,7 +1539,7 @@
           <a:p>
             <a:fld id="{56380CDC-2C67-42AA-B1DF-B7373BF777ED}" type="datetimeFigureOut">
               <a:rPr lang="en-US" smtClean="0"/>
-              <a:t>11/10/2018</a:t>
+              <a:t>11/11/2018</a:t>
             </a:fld>
             <a:endParaRPr lang="en-US"/>
           </a:p>
@@ -1534,9 +1633,10 @@
           <a:lstStyle/>
           <a:p>
             <a:r>
-              <a:rPr lang="en-US"/>
+              <a:rPr lang="en-US" smtClean="0"/>
               <a:t>Click to edit Master title style</a:t>
             </a:r>
+            <a:endParaRPr lang="en-US"/>
           </a:p>
         </p:txBody>
       </p:sp>
@@ -1562,37 +1662,38 @@
           <a:p>
             <a:pPr lvl="0"/>
             <a:r>
-              <a:rPr lang="en-US"/>
+              <a:rPr lang="en-US" smtClean="0"/>
               <a:t>Click to edit Master text styles</a:t>
             </a:r>
           </a:p>
           <a:p>
             <a:pPr lvl="1"/>
             <a:r>
-              <a:rPr lang="en-US"/>
+              <a:rPr lang="en-US" smtClean="0"/>
               <a:t>Second level</a:t>
             </a:r>
           </a:p>
           <a:p>
             <a:pPr lvl="2"/>
             <a:r>
-              <a:rPr lang="en-US"/>
+              <a:rPr lang="en-US" smtClean="0"/>
               <a:t>Third level</a:t>
             </a:r>
           </a:p>
           <a:p>
             <a:pPr lvl="3"/>
             <a:r>
-              <a:rPr lang="en-US"/>
+              <a:rPr lang="en-US" smtClean="0"/>
               <a:t>Fourth level</a:t>
             </a:r>
           </a:p>
           <a:p>
             <a:pPr lvl="4"/>
             <a:r>
-              <a:rPr lang="en-US"/>
+              <a:rPr lang="en-US" smtClean="0"/>
               <a:t>Fifth level</a:t>
             </a:r>
+            <a:endParaRPr lang="en-US"/>
           </a:p>
         </p:txBody>
       </p:sp>
@@ -1618,37 +1719,38 @@
           <a:p>
             <a:pPr lvl="0"/>
             <a:r>
-              <a:rPr lang="en-US"/>
+              <a:rPr lang="en-US" smtClean="0"/>
               <a:t>Click to edit Master text styles</a:t>
             </a:r>
           </a:p>
           <a:p>
             <a:pPr lvl="1"/>
             <a:r>
-              <a:rPr lang="en-US"/>
+              <a:rPr lang="en-US" smtClean="0"/>
               <a:t>Second level</a:t>
             </a:r>
           </a:p>
           <a:p>
             <a:pPr lvl="2"/>
             <a:r>
-              <a:rPr lang="en-US"/>
+              <a:rPr lang="en-US" smtClean="0"/>
               <a:t>Third level</a:t>
             </a:r>
           </a:p>
           <a:p>
             <a:pPr lvl="3"/>
             <a:r>
-              <a:rPr lang="en-US"/>
+              <a:rPr lang="en-US" smtClean="0"/>
               <a:t>Fourth level</a:t>
             </a:r>
           </a:p>
           <a:p>
             <a:pPr lvl="4"/>
             <a:r>
-              <a:rPr lang="en-US"/>
+              <a:rPr lang="en-US" smtClean="0"/>
               <a:t>Fifth level</a:t>
             </a:r>
+            <a:endParaRPr lang="en-US"/>
           </a:p>
         </p:txBody>
       </p:sp>
@@ -1669,7 +1771,7 @@
           <a:p>
             <a:fld id="{56380CDC-2C67-42AA-B1DF-B7373BF777ED}" type="datetimeFigureOut">
               <a:rPr lang="en-US" smtClean="0"/>
-              <a:t>11/10/2018</a:t>
+              <a:t>11/11/2018</a:t>
             </a:fld>
             <a:endParaRPr lang="en-US"/>
           </a:p>
@@ -1768,9 +1870,10 @@
           <a:lstStyle/>
           <a:p>
             <a:r>
-              <a:rPr lang="en-US"/>
+              <a:rPr lang="en-US" smtClean="0"/>
               <a:t>Click to edit Master title style</a:t>
             </a:r>
+            <a:endParaRPr lang="en-US"/>
           </a:p>
         </p:txBody>
       </p:sp>
@@ -1833,7 +1936,7 @@
           <a:p>
             <a:pPr lvl="0"/>
             <a:r>
-              <a:rPr lang="en-US"/>
+              <a:rPr lang="en-US" smtClean="0"/>
               <a:t>Click to edit Master text styles</a:t>
             </a:r>
           </a:p>
@@ -1861,37 +1964,38 @@
           <a:p>
             <a:pPr lvl="0"/>
             <a:r>
-              <a:rPr lang="en-US"/>
+              <a:rPr lang="en-US" smtClean="0"/>
               <a:t>Click to edit Master text styles</a:t>
             </a:r>
           </a:p>
           <a:p>
             <a:pPr lvl="1"/>
             <a:r>
-              <a:rPr lang="en-US"/>
+              <a:rPr lang="en-US" smtClean="0"/>
               <a:t>Second level</a:t>
             </a:r>
           </a:p>
           <a:p>
             <a:pPr lvl="2"/>
             <a:r>
-              <a:rPr lang="en-US"/>
+              <a:rPr lang="en-US" smtClean="0"/>
               <a:t>Third level</a:t>
             </a:r>
           </a:p>
           <a:p>
             <a:pPr lvl="3"/>
             <a:r>
-              <a:rPr lang="en-US"/>
+              <a:rPr lang="en-US" smtClean="0"/>
               <a:t>Fourth level</a:t>
             </a:r>
           </a:p>
           <a:p>
             <a:pPr lvl="4"/>
             <a:r>
-              <a:rPr lang="en-US"/>
+              <a:rPr lang="en-US" smtClean="0"/>
               <a:t>Fifth level</a:t>
             </a:r>
+            <a:endParaRPr lang="en-US"/>
           </a:p>
         </p:txBody>
       </p:sp>
@@ -1954,7 +2058,7 @@
           <a:p>
             <a:pPr lvl="0"/>
             <a:r>
-              <a:rPr lang="en-US"/>
+              <a:rPr lang="en-US" smtClean="0"/>
               <a:t>Click to edit Master text styles</a:t>
             </a:r>
           </a:p>
@@ -1982,37 +2086,38 @@
           <a:p>
             <a:pPr lvl="0"/>
             <a:r>
-              <a:rPr lang="en-US"/>
+              <a:rPr lang="en-US" smtClean="0"/>
               <a:t>Click to edit Master text styles</a:t>
             </a:r>
           </a:p>
           <a:p>
             <a:pPr lvl="1"/>
             <a:r>
-              <a:rPr lang="en-US"/>
+              <a:rPr lang="en-US" smtClean="0"/>
               <a:t>Second level</a:t>
             </a:r>
           </a:p>
           <a:p>
             <a:pPr lvl="2"/>
             <a:r>
-              <a:rPr lang="en-US"/>
+              <a:rPr lang="en-US" smtClean="0"/>
               <a:t>Third level</a:t>
             </a:r>
           </a:p>
           <a:p>
             <a:pPr lvl="3"/>
             <a:r>
-              <a:rPr lang="en-US"/>
+              <a:rPr lang="en-US" smtClean="0"/>
               <a:t>Fourth level</a:t>
             </a:r>
           </a:p>
           <a:p>
             <a:pPr lvl="4"/>
             <a:r>
-              <a:rPr lang="en-US"/>
+              <a:rPr lang="en-US" smtClean="0"/>
               <a:t>Fifth level</a:t>
             </a:r>
+            <a:endParaRPr lang="en-US"/>
           </a:p>
         </p:txBody>
       </p:sp>
@@ -2033,7 +2138,7 @@
           <a:p>
             <a:fld id="{56380CDC-2C67-42AA-B1DF-B7373BF777ED}" type="datetimeFigureOut">
               <a:rPr lang="en-US" smtClean="0"/>
-              <a:t>11/10/2018</a:t>
+              <a:t>11/11/2018</a:t>
             </a:fld>
             <a:endParaRPr lang="en-US"/>
           </a:p>
@@ -2127,9 +2232,10 @@
           <a:lstStyle/>
           <a:p>
             <a:r>
-              <a:rPr lang="en-US"/>
+              <a:rPr lang="en-US" smtClean="0"/>
               <a:t>Click to edit Master title style</a:t>
             </a:r>
+            <a:endParaRPr lang="en-US"/>
           </a:p>
         </p:txBody>
       </p:sp>
@@ -2150,7 +2256,7 @@
           <a:p>
             <a:fld id="{56380CDC-2C67-42AA-B1DF-B7373BF777ED}" type="datetimeFigureOut">
               <a:rPr lang="en-US" smtClean="0"/>
-              <a:t>11/10/2018</a:t>
+              <a:t>11/11/2018</a:t>
             </a:fld>
             <a:endParaRPr lang="en-US"/>
           </a:p>
@@ -2245,7 +2351,7 @@
           <a:p>
             <a:fld id="{56380CDC-2C67-42AA-B1DF-B7373BF777ED}" type="datetimeFigureOut">
               <a:rPr lang="en-US" smtClean="0"/>
-              <a:t>11/10/2018</a:t>
+              <a:t>11/11/2018</a:t>
             </a:fld>
             <a:endParaRPr lang="en-US"/>
           </a:p>
@@ -2348,9 +2454,10 @@
           </a:lstStyle>
           <a:p>
             <a:r>
-              <a:rPr lang="en-US"/>
+              <a:rPr lang="en-US" smtClean="0"/>
               <a:t>Click to edit Master title style</a:t>
             </a:r>
+            <a:endParaRPr lang="en-US"/>
           </a:p>
         </p:txBody>
       </p:sp>
@@ -2404,37 +2511,38 @@
           <a:p>
             <a:pPr lvl="0"/>
             <a:r>
-              <a:rPr lang="en-US"/>
+              <a:rPr lang="en-US" smtClean="0"/>
               <a:t>Click to edit Master text styles</a:t>
             </a:r>
           </a:p>
           <a:p>
             <a:pPr lvl="1"/>
             <a:r>
-              <a:rPr lang="en-US"/>
+              <a:rPr lang="en-US" smtClean="0"/>
               <a:t>Second level</a:t>
             </a:r>
           </a:p>
           <a:p>
             <a:pPr lvl="2"/>
             <a:r>
-              <a:rPr lang="en-US"/>
+              <a:rPr lang="en-US" smtClean="0"/>
               <a:t>Third level</a:t>
             </a:r>
           </a:p>
           <a:p>
             <a:pPr lvl="3"/>
             <a:r>
-              <a:rPr lang="en-US"/>
+              <a:rPr lang="en-US" smtClean="0"/>
               <a:t>Fourth level</a:t>
             </a:r>
           </a:p>
           <a:p>
             <a:pPr lvl="4"/>
             <a:r>
-              <a:rPr lang="en-US"/>
+              <a:rPr lang="en-US" smtClean="0"/>
               <a:t>Fifth level</a:t>
             </a:r>
+            <a:endParaRPr lang="en-US"/>
           </a:p>
         </p:txBody>
       </p:sp>
@@ -2497,7 +2605,7 @@
           <a:p>
             <a:pPr lvl="0"/>
             <a:r>
-              <a:rPr lang="en-US"/>
+              <a:rPr lang="en-US" smtClean="0"/>
               <a:t>Click to edit Master text styles</a:t>
             </a:r>
           </a:p>
@@ -2520,7 +2628,7 @@
           <a:p>
             <a:fld id="{56380CDC-2C67-42AA-B1DF-B7373BF777ED}" type="datetimeFigureOut">
               <a:rPr lang="en-US" smtClean="0"/>
-              <a:t>11/10/2018</a:t>
+              <a:t>11/11/2018</a:t>
             </a:fld>
             <a:endParaRPr lang="en-US"/>
           </a:p>
@@ -2623,9 +2731,10 @@
           </a:lstStyle>
           <a:p>
             <a:r>
-              <a:rPr lang="en-US"/>
+              <a:rPr lang="en-US" smtClean="0"/>
               <a:t>Click to edit Master title style</a:t>
             </a:r>
+            <a:endParaRPr lang="en-US"/>
           </a:p>
         </p:txBody>
       </p:sp>
@@ -2749,7 +2858,7 @@
           <a:p>
             <a:pPr lvl="0"/>
             <a:r>
-              <a:rPr lang="en-US"/>
+              <a:rPr lang="en-US" smtClean="0"/>
               <a:t>Click to edit Master text styles</a:t>
             </a:r>
           </a:p>
@@ -2772,7 +2881,7 @@
           <a:p>
             <a:fld id="{56380CDC-2C67-42AA-B1DF-B7373BF777ED}" type="datetimeFigureOut">
               <a:rPr lang="en-US" smtClean="0"/>
-              <a:t>11/10/2018</a:t>
+              <a:t>11/11/2018</a:t>
             </a:fld>
             <a:endParaRPr lang="en-US"/>
           </a:p>
@@ -2881,9 +2990,10 @@
           <a:lstStyle/>
           <a:p>
             <a:r>
-              <a:rPr lang="en-US"/>
+              <a:rPr lang="en-US" smtClean="0"/>
               <a:t>Click to edit Master title style</a:t>
             </a:r>
+            <a:endParaRPr lang="en-US"/>
           </a:p>
         </p:txBody>
       </p:sp>
@@ -2914,37 +3024,38 @@
           <a:p>
             <a:pPr lvl="0"/>
             <a:r>
-              <a:rPr lang="en-US"/>
+              <a:rPr lang="en-US" smtClean="0"/>
               <a:t>Click to edit Master text styles</a:t>
             </a:r>
           </a:p>
           <a:p>
             <a:pPr lvl="1"/>
             <a:r>
-              <a:rPr lang="en-US"/>
+              <a:rPr lang="en-US" smtClean="0"/>
               <a:t>Second level</a:t>
             </a:r>
           </a:p>
           <a:p>
             <a:pPr lvl="2"/>
             <a:r>
-              <a:rPr lang="en-US"/>
+              <a:rPr lang="en-US" smtClean="0"/>
               <a:t>Third level</a:t>
             </a:r>
           </a:p>
           <a:p>
             <a:pPr lvl="3"/>
             <a:r>
-              <a:rPr lang="en-US"/>
+              <a:rPr lang="en-US" smtClean="0"/>
               <a:t>Fourth level</a:t>
             </a:r>
           </a:p>
           <a:p>
             <a:pPr lvl="4"/>
             <a:r>
-              <a:rPr lang="en-US"/>
+              <a:rPr lang="en-US" smtClean="0"/>
               <a:t>Fifth level</a:t>
             </a:r>
+            <a:endParaRPr lang="en-US"/>
           </a:p>
         </p:txBody>
       </p:sp>
@@ -2983,7 +3094,7 @@
           <a:p>
             <a:fld id="{56380CDC-2C67-42AA-B1DF-B7373BF777ED}" type="datetimeFigureOut">
               <a:rPr lang="en-US" smtClean="0"/>
-              <a:t>11/10/2018</a:t>
+              <a:t>11/11/2018</a:t>
             </a:fld>
             <a:endParaRPr lang="en-US"/>
           </a:p>
@@ -3396,7 +3507,7 @@
         </p:nvSpPr>
         <p:spPr>
           <a:xfrm>
-            <a:off x="9270131" y="154256"/>
+            <a:off x="9033176" y="1160123"/>
             <a:ext cx="1395341" cy="4347781"/>
           </a:xfrm>
           <a:prstGeom prst="roundRect">
@@ -3454,7 +3565,7 @@
         </p:nvSpPr>
         <p:spPr>
           <a:xfrm>
-            <a:off x="1862877" y="158637"/>
+            <a:off x="1623393" y="1160123"/>
             <a:ext cx="7330619" cy="4343400"/>
           </a:xfrm>
           <a:prstGeom prst="roundRect">
@@ -3515,7 +3626,7 @@
         </p:nvSpPr>
         <p:spPr>
           <a:xfrm>
-            <a:off x="2407146" y="543946"/>
+            <a:off x="2167662" y="1545432"/>
             <a:ext cx="1455629" cy="346760"/>
           </a:xfrm>
           <a:prstGeom prst="rect">
@@ -3584,7 +3695,7 @@
         </p:nvCxnSpPr>
         <p:spPr>
           <a:xfrm>
-            <a:off x="3134959" y="907618"/>
+            <a:off x="2895475" y="1909104"/>
             <a:ext cx="0" cy="3481399"/>
           </a:xfrm>
           <a:prstGeom prst="line">
@@ -3621,7 +3732,7 @@
         </p:nvSpPr>
         <p:spPr>
           <a:xfrm>
-            <a:off x="3062951" y="1258312"/>
+            <a:off x="2823467" y="2259798"/>
             <a:ext cx="152400" cy="2932689"/>
           </a:xfrm>
           <a:prstGeom prst="rect">
@@ -3668,8 +3779,8 @@
         </p:nvSpPr>
         <p:spPr>
           <a:xfrm>
-            <a:off x="4961187" y="423022"/>
-            <a:ext cx="1242075" cy="467684"/>
+            <a:off x="4721704" y="1424508"/>
+            <a:ext cx="1219200" cy="467684"/>
           </a:xfrm>
           <a:prstGeom prst="rect">
             <a:avLst/>
@@ -3704,7 +3815,7 @@
           <a:p>
             <a:pPr algn="ctr"/>
             <a:r>
-              <a:rPr lang="en-US" sz="1600" dirty="0">
+              <a:rPr lang="en-US" sz="1550" dirty="0" smtClean="0">
                 <a:solidFill>
                   <a:schemeClr val="bg1"/>
                 </a:solidFill>
@@ -3712,14 +3823,14 @@
               <a:t>:</a:t>
             </a:r>
             <a:r>
-              <a:rPr lang="en-US" sz="1600" dirty="0" err="1">
+              <a:rPr lang="en-US" sz="1550" dirty="0" err="1" smtClean="0">
                 <a:solidFill>
                   <a:schemeClr val="bg1"/>
                 </a:solidFill>
               </a:rPr>
               <a:t>TutorHelperParser</a:t>
             </a:r>
-            <a:endParaRPr lang="en-SG" sz="1600" dirty="0">
+            <a:endParaRPr lang="en-SG" sz="1550" dirty="0">
               <a:solidFill>
                 <a:schemeClr val="bg1"/>
               </a:solidFill>
@@ -3737,7 +3848,7 @@
         </p:nvCxnSpPr>
         <p:spPr>
           <a:xfrm>
-            <a:off x="5574587" y="907617"/>
+            <a:off x="5335103" y="1909103"/>
             <a:ext cx="0" cy="1620000"/>
           </a:xfrm>
           <a:prstGeom prst="line">
@@ -3774,7 +3885,7 @@
         </p:nvSpPr>
         <p:spPr>
           <a:xfrm>
-            <a:off x="5502580" y="1365810"/>
+            <a:off x="5263096" y="2367296"/>
             <a:ext cx="162547" cy="1041702"/>
           </a:xfrm>
           <a:prstGeom prst="rect">
@@ -3821,7 +3932,7 @@
         </p:nvSpPr>
         <p:spPr>
           <a:xfrm>
-            <a:off x="6670784" y="1613634"/>
+            <a:off x="6431300" y="2615120"/>
             <a:ext cx="159873" cy="748567"/>
           </a:xfrm>
           <a:prstGeom prst="rect">
@@ -3863,15 +3974,13 @@
       <p:cxnSp>
         <p:nvCxnSpPr>
           <p:cNvPr id="23" name="Straight Arrow Connector 22"/>
-          <p:cNvCxnSpPr>
-            <a:cxnSpLocks/>
-          </p:cNvCxnSpPr>
+          <p:cNvCxnSpPr/>
           <p:nvPr/>
         </p:nvCxnSpPr>
         <p:spPr>
           <a:xfrm>
-            <a:off x="1088571" y="1258312"/>
-            <a:ext cx="1974381" cy="3687"/>
+            <a:off x="1703617" y="2263485"/>
+            <a:ext cx="1119851" cy="0"/>
           </a:xfrm>
           <a:prstGeom prst="straightConnector1">
             <a:avLst/>
@@ -3906,7 +4015,7 @@
         </p:nvSpPr>
         <p:spPr>
           <a:xfrm>
-            <a:off x="2035241" y="886844"/>
+            <a:off x="1795757" y="1888330"/>
             <a:ext cx="1236834" cy="338554"/>
           </a:xfrm>
           <a:prstGeom prst="rect">
@@ -3949,7 +4058,7 @@
         </p:nvCxnSpPr>
         <p:spPr>
           <a:xfrm>
-            <a:off x="5602066" y="1506301"/>
+            <a:off x="5362582" y="2507787"/>
             <a:ext cx="601201" cy="6041"/>
           </a:xfrm>
           <a:prstGeom prst="straightConnector1">
@@ -3985,7 +4094,7 @@
         </p:nvSpPr>
         <p:spPr>
           <a:xfrm>
-            <a:off x="4401992" y="2484071"/>
+            <a:off x="4162508" y="3485557"/>
             <a:ext cx="855809" cy="215444"/>
           </a:xfrm>
           <a:prstGeom prst="rect">
@@ -4025,7 +4134,7 @@
         </p:nvCxnSpPr>
         <p:spPr>
           <a:xfrm>
-            <a:off x="5633108" y="2274159"/>
+            <a:off x="5393624" y="3275645"/>
             <a:ext cx="1080000" cy="0"/>
           </a:xfrm>
           <a:prstGeom prst="straightConnector1">
@@ -4065,7 +4174,7 @@
         </p:nvCxnSpPr>
         <p:spPr>
           <a:xfrm>
-            <a:off x="3169180" y="2362200"/>
+            <a:off x="2929696" y="3363686"/>
             <a:ext cx="2348067" cy="0"/>
           </a:xfrm>
           <a:prstGeom prst="straightConnector1">
@@ -4103,7 +4212,7 @@
         </p:nvCxnSpPr>
         <p:spPr>
           <a:xfrm>
-            <a:off x="1905000" y="4191000"/>
+            <a:off x="1665516" y="5192486"/>
             <a:ext cx="1196051" cy="0"/>
           </a:xfrm>
           <a:prstGeom prst="straightConnector1">
@@ -4141,8 +4250,8 @@
         </p:nvSpPr>
         <p:spPr>
           <a:xfrm>
-            <a:off x="7994716" y="2743200"/>
-            <a:ext cx="1835085" cy="153888"/>
+            <a:off x="7748408" y="3778806"/>
+            <a:ext cx="1835085" cy="146194"/>
           </a:xfrm>
           <a:prstGeom prst="rect">
             <a:avLst/>
@@ -4167,7 +4276,7 @@
           </a:lstStyle>
           <a:p>
             <a:r>
-              <a:rPr lang="en-US" sz="1000" dirty="0" err="1">
+              <a:rPr lang="en-US" sz="950" dirty="0" err="1" smtClean="0">
                 <a:solidFill>
                   <a:srgbClr val="7030A0"/>
                 </a:solidFill>
@@ -4175,7 +4284,7 @@
               <a:t>updateFilteredStudentList</a:t>
             </a:r>
             <a:r>
-              <a:rPr lang="en-US" sz="1000" dirty="0">
+              <a:rPr lang="en-US" sz="950" dirty="0">
                 <a:solidFill>
                   <a:srgbClr val="7030A0"/>
                 </a:solidFill>
@@ -4193,7 +4302,7 @@
         </p:nvSpPr>
         <p:spPr>
           <a:xfrm>
-            <a:off x="3169179" y="1106270"/>
+            <a:off x="2929695" y="2107756"/>
             <a:ext cx="2234620" cy="169277"/>
           </a:xfrm>
           <a:prstGeom prst="rect">
@@ -4237,7 +4346,7 @@
         </p:nvSpPr>
         <p:spPr>
           <a:xfrm>
-            <a:off x="4796755" y="3791076"/>
+            <a:off x="4557271" y="4792562"/>
             <a:ext cx="621216" cy="215444"/>
           </a:xfrm>
           <a:prstGeom prst="rect">
@@ -4277,7 +4386,7 @@
         </p:nvSpPr>
         <p:spPr>
           <a:xfrm>
-            <a:off x="2169270" y="3945901"/>
+            <a:off x="1929786" y="4947387"/>
             <a:ext cx="762000" cy="215444"/>
           </a:xfrm>
           <a:prstGeom prst="rect">
@@ -4317,7 +4426,7 @@
         </p:nvSpPr>
         <p:spPr>
           <a:xfrm>
-            <a:off x="9492858" y="713883"/>
+            <a:off x="9267420" y="3363686"/>
             <a:ext cx="841636" cy="300180"/>
           </a:xfrm>
           <a:prstGeom prst="rect">
@@ -4377,9 +4486,9 @@
           <p:nvPr/>
         </p:nvCxnSpPr>
         <p:spPr>
-          <a:xfrm>
-            <a:off x="9940468" y="1056121"/>
-            <a:ext cx="3164" cy="3332895"/>
+          <a:xfrm flipH="1">
+            <a:off x="9704147" y="3654792"/>
+            <a:ext cx="3959" cy="1735710"/>
           </a:xfrm>
           <a:prstGeom prst="line">
             <a:avLst/>
@@ -4415,8 +4524,8 @@
         </p:nvSpPr>
         <p:spPr>
           <a:xfrm>
-            <a:off x="9844666" y="2958108"/>
-            <a:ext cx="183432" cy="135612"/>
+            <a:off x="9605182" y="3959593"/>
+            <a:ext cx="168896" cy="775693"/>
           </a:xfrm>
           <a:prstGeom prst="rect">
             <a:avLst/>
@@ -4464,7 +4573,7 @@
         </p:nvCxnSpPr>
         <p:spPr>
           <a:xfrm>
-            <a:off x="8382000" y="2976293"/>
+            <a:off x="8142516" y="3977779"/>
             <a:ext cx="1476000" cy="0"/>
           </a:xfrm>
           <a:prstGeom prst="straightConnector1">
@@ -4500,7 +4609,7 @@
         </p:nvSpPr>
         <p:spPr>
           <a:xfrm>
-            <a:off x="6180879" y="1260268"/>
+            <a:off x="5941395" y="2261754"/>
             <a:ext cx="1093635" cy="461538"/>
           </a:xfrm>
           <a:prstGeom prst="rect">
@@ -4571,7 +4680,7 @@
           <p:cNvPr id="66" name="Straight Arrow Connector 65">
             <a:extLst>
               <a:ext uri="{FF2B5EF4-FFF2-40B4-BE49-F238E27FC236}">
-                <a16:creationId xmlns:a16="http://schemas.microsoft.com/office/drawing/2014/main" id="{39916E2E-195A-4DC8-B025-B05FA87E6796}"/>
+                <a16:creationId xmlns:a16="http://schemas.microsoft.com/office/drawing/2014/main" xmlns="" id="{39916E2E-195A-4DC8-B025-B05FA87E6796}"/>
               </a:ext>
             </a:extLst>
           </p:cNvPr>
@@ -4582,7 +4691,7 @@
         </p:nvCxnSpPr>
         <p:spPr>
           <a:xfrm>
-            <a:off x="3189600" y="2749195"/>
+            <a:off x="2950116" y="3750681"/>
             <a:ext cx="5040000" cy="0"/>
           </a:xfrm>
           <a:prstGeom prst="straightConnector1">
@@ -4615,7 +4724,7 @@
           <p:cNvPr id="67" name="Straight Arrow Connector 66">
             <a:extLst>
               <a:ext uri="{FF2B5EF4-FFF2-40B4-BE49-F238E27FC236}">
-                <a16:creationId xmlns:a16="http://schemas.microsoft.com/office/drawing/2014/main" id="{D881596E-177C-4FDC-8E60-CAB90B3D5FAB}"/>
+                <a16:creationId xmlns:a16="http://schemas.microsoft.com/office/drawing/2014/main" xmlns="" id="{D881596E-177C-4FDC-8E60-CAB90B3D5FAB}"/>
               </a:ext>
             </a:extLst>
           </p:cNvPr>
@@ -4626,7 +4735,7 @@
         </p:nvCxnSpPr>
         <p:spPr>
           <a:xfrm>
-            <a:off x="3232246" y="1363919"/>
+            <a:off x="2992762" y="2365405"/>
             <a:ext cx="2256705" cy="1"/>
           </a:xfrm>
           <a:prstGeom prst="straightConnector1">
@@ -4659,7 +4768,7 @@
           <p:cNvPr id="69" name="Straight Arrow Connector 68">
             <a:extLst>
               <a:ext uri="{FF2B5EF4-FFF2-40B4-BE49-F238E27FC236}">
-                <a16:creationId xmlns:a16="http://schemas.microsoft.com/office/drawing/2014/main" id="{7C9F21BC-13A9-471F-825A-2621FD36355F}"/>
+                <a16:creationId xmlns:a16="http://schemas.microsoft.com/office/drawing/2014/main" xmlns="" id="{7C9F21BC-13A9-471F-825A-2621FD36355F}"/>
               </a:ext>
             </a:extLst>
           </p:cNvPr>
@@ -4670,7 +4779,7 @@
         </p:nvCxnSpPr>
         <p:spPr>
           <a:xfrm flipV="1">
-            <a:off x="3189600" y="4036462"/>
+            <a:off x="2950116" y="5037948"/>
             <a:ext cx="5040000" cy="1"/>
           </a:xfrm>
           <a:prstGeom prst="straightConnector1">
@@ -4705,7 +4814,7 @@
           <p:cNvPr id="63" name="Straight Arrow Connector 62">
             <a:extLst>
               <a:ext uri="{FF2B5EF4-FFF2-40B4-BE49-F238E27FC236}">
-                <a16:creationId xmlns:a16="http://schemas.microsoft.com/office/drawing/2014/main" id="{7C9F21BC-13A9-471F-825A-2621FD36355F}"/>
+                <a16:creationId xmlns:a16="http://schemas.microsoft.com/office/drawing/2014/main" xmlns="" id="{7C9F21BC-13A9-471F-825A-2621FD36355F}"/>
               </a:ext>
             </a:extLst>
           </p:cNvPr>
@@ -4716,7 +4825,7 @@
         </p:nvCxnSpPr>
         <p:spPr>
           <a:xfrm>
-            <a:off x="8411868" y="3093720"/>
+            <a:off x="8172384" y="4735285"/>
             <a:ext cx="1432799" cy="0"/>
           </a:xfrm>
           <a:prstGeom prst="straightConnector1">
@@ -4754,7 +4863,7 @@
         </p:nvSpPr>
         <p:spPr>
           <a:xfrm>
-            <a:off x="7771725" y="1569249"/>
+            <a:off x="7532241" y="2570735"/>
             <a:ext cx="1093635" cy="461538"/>
           </a:xfrm>
           <a:prstGeom prst="rect">
@@ -4828,7 +4937,7 @@
         </p:nvCxnSpPr>
         <p:spPr>
           <a:xfrm>
-            <a:off x="6850008" y="1800019"/>
+            <a:off x="6610524" y="2801505"/>
             <a:ext cx="922392" cy="0"/>
           </a:xfrm>
           <a:prstGeom prst="straightConnector1">
@@ -4864,7 +4973,7 @@
         </p:nvSpPr>
         <p:spPr>
           <a:xfrm>
-            <a:off x="8238605" y="1972225"/>
+            <a:off x="7999121" y="2973711"/>
             <a:ext cx="178547" cy="2064237"/>
           </a:xfrm>
           <a:prstGeom prst="rect">
@@ -4911,7 +5020,7 @@
         </p:nvCxnSpPr>
         <p:spPr>
           <a:xfrm>
-            <a:off x="6835802" y="2133600"/>
+            <a:off x="6596318" y="3135086"/>
             <a:ext cx="1492974" cy="0"/>
           </a:xfrm>
           <a:prstGeom prst="straightConnector1">
@@ -4943,197 +5052,82 @@
       </p:cxnSp>
       <p:sp>
         <p:nvSpPr>
-          <p:cNvPr id="38" name="Rectangle 62">
-            <a:extLst>
-              <a:ext uri="{FF2B5EF4-FFF2-40B4-BE49-F238E27FC236}">
-                <a16:creationId xmlns:a16="http://schemas.microsoft.com/office/drawing/2014/main" id="{B8802F0A-4D78-47F0-8DFB-89576A4731C3}"/>
-              </a:ext>
-            </a:extLst>
-          </p:cNvPr>
-          <p:cNvSpPr/>
+          <p:cNvPr id="41" name="TextBox 40"/>
+          <p:cNvSpPr txBox="1"/>
           <p:nvPr/>
         </p:nvSpPr>
         <p:spPr>
           <a:xfrm>
-            <a:off x="8557280" y="3220034"/>
-            <a:ext cx="1275707" cy="461538"/>
+            <a:off x="7432335" y="4017433"/>
+            <a:ext cx="1835085" cy="153888"/>
           </a:xfrm>
           <a:prstGeom prst="rect">
             <a:avLst/>
           </a:prstGeom>
-          <a:solidFill>
-            <a:srgbClr val="0070C0"/>
-          </a:solidFill>
+          <a:noFill/>
+        </p:spPr>
+        <p:txBody>
+          <a:bodyPr wrap="square" lIns="0" tIns="0" rIns="0" bIns="0" rtlCol="0">
+            <a:spAutoFit/>
+          </a:bodyPr>
+          <a:lstStyle>
+            <a:defPPr>
+              <a:defRPr lang="en-US"/>
+            </a:defPPr>
+            <a:lvl1pPr algn="r">
+              <a:defRPr sz="1400">
+                <a:solidFill>
+                  <a:srgbClr val="0070C0"/>
+                </a:solidFill>
+              </a:defRPr>
+            </a:lvl1pPr>
+          </a:lstStyle>
+          <a:p>
+            <a:r>
+              <a:rPr lang="en-US" sz="1000" dirty="0" err="1" smtClean="0">
+                <a:solidFill>
+                  <a:srgbClr val="7030A0"/>
+                </a:solidFill>
+              </a:rPr>
+              <a:t>sortByTime</a:t>
+            </a:r>
+            <a:r>
+              <a:rPr lang="en-US" sz="1000" dirty="0" smtClean="0">
+                <a:solidFill>
+                  <a:srgbClr val="7030A0"/>
+                </a:solidFill>
+              </a:rPr>
+              <a:t>()</a:t>
+            </a:r>
+            <a:endParaRPr lang="en-US" sz="1000" dirty="0">
+              <a:solidFill>
+                <a:srgbClr val="7030A0"/>
+              </a:solidFill>
+            </a:endParaRPr>
+          </a:p>
+        </p:txBody>
+      </p:sp>
+      <p:cxnSp>
+        <p:nvCxnSpPr>
+          <p:cNvPr id="42" name="Straight Arrow Connector 41"/>
+          <p:cNvCxnSpPr>
+            <a:cxnSpLocks/>
+          </p:cNvCxnSpPr>
+          <p:nvPr/>
+        </p:nvCxnSpPr>
+        <p:spPr>
+          <a:xfrm>
+            <a:off x="8172384" y="4201389"/>
+            <a:ext cx="1432798" cy="1"/>
+          </a:xfrm>
+          <a:prstGeom prst="straightConnector1">
+            <a:avLst/>
+          </a:prstGeom>
           <a:ln w="19050">
             <a:solidFill>
               <a:srgbClr val="0070C0"/>
             </a:solidFill>
-          </a:ln>
-          <a:effectLst/>
-        </p:spPr>
-        <p:style>
-          <a:lnRef idx="1">
-            <a:schemeClr val="accent2"/>
-          </a:lnRef>
-          <a:fillRef idx="2">
-            <a:schemeClr val="accent2"/>
-          </a:fillRef>
-          <a:effectRef idx="1">
-            <a:schemeClr val="accent2"/>
-          </a:effectRef>
-          <a:fontRef idx="minor">
-            <a:schemeClr val="dk1"/>
-          </a:fontRef>
-        </p:style>
-        <p:txBody>
-          <a:bodyPr rtlCol="0" anchor="ctr"/>
-          <a:lstStyle/>
-          <a:p>
-            <a:pPr algn="ctr"/>
-            <a:r>
-              <a:rPr lang="en-US" sz="1200" dirty="0" err="1">
-                <a:solidFill>
-                  <a:schemeClr val="bg1"/>
-                </a:solidFill>
-              </a:rPr>
-              <a:t>result:Command</a:t>
-            </a:r>
-            <a:r>
-              <a:rPr lang="en-US" sz="1200" dirty="0">
-                <a:solidFill>
-                  <a:schemeClr val="bg1"/>
-                </a:solidFill>
-              </a:rPr>
-              <a:t> Result</a:t>
-            </a:r>
-            <a:endParaRPr lang="en-SG" sz="1200" dirty="0">
-              <a:solidFill>
-                <a:schemeClr val="bg1"/>
-              </a:solidFill>
-            </a:endParaRPr>
-          </a:p>
-        </p:txBody>
-      </p:sp>
-      <p:sp>
-        <p:nvSpPr>
-          <p:cNvPr id="39" name="Rectangle 38">
-            <a:extLst>
-              <a:ext uri="{FF2B5EF4-FFF2-40B4-BE49-F238E27FC236}">
-                <a16:creationId xmlns:a16="http://schemas.microsoft.com/office/drawing/2014/main" id="{8E4BE5F9-EB9B-4D28-A1DC-AB55BF8245AE}"/>
-              </a:ext>
-            </a:extLst>
-          </p:cNvPr>
-          <p:cNvSpPr/>
-          <p:nvPr/>
-        </p:nvSpPr>
-        <p:spPr>
-          <a:xfrm>
-            <a:off x="9123781" y="3681572"/>
-            <a:ext cx="152400" cy="171376"/>
-          </a:xfrm>
-          <a:prstGeom prst="rect">
-            <a:avLst/>
-          </a:prstGeom>
-          <a:solidFill>
-            <a:srgbClr val="0070C0"/>
-          </a:solidFill>
-          <a:ln>
-            <a:solidFill>
-              <a:srgbClr val="0070C0"/>
-            </a:solidFill>
-          </a:ln>
-          <a:effectLst/>
-        </p:spPr>
-        <p:style>
-          <a:lnRef idx="1">
-            <a:schemeClr val="accent3"/>
-          </a:lnRef>
-          <a:fillRef idx="2">
-            <a:schemeClr val="accent3"/>
-          </a:fillRef>
-          <a:effectRef idx="1">
-            <a:schemeClr val="accent3"/>
-          </a:effectRef>
-          <a:fontRef idx="minor">
-            <a:schemeClr val="dk1"/>
-          </a:fontRef>
-        </p:style>
-        <p:txBody>
-          <a:bodyPr rtlCol="0" anchor="ctr"/>
-          <a:lstStyle/>
-          <a:p>
-            <a:pPr algn="ctr"/>
-            <a:endParaRPr lang="en-SG" sz="1400"/>
-          </a:p>
-        </p:txBody>
-      </p:sp>
-      <p:cxnSp>
-        <p:nvCxnSpPr>
-          <p:cNvPr id="41" name="Straight Arrow Connector 40">
-            <a:extLst>
-              <a:ext uri="{FF2B5EF4-FFF2-40B4-BE49-F238E27FC236}">
-                <a16:creationId xmlns:a16="http://schemas.microsoft.com/office/drawing/2014/main" id="{D9B939C0-01B7-4875-BD2B-2E3D2CD16665}"/>
-              </a:ext>
-            </a:extLst>
-          </p:cNvPr>
-          <p:cNvCxnSpPr/>
-          <p:nvPr/>
-        </p:nvCxnSpPr>
-        <p:spPr>
-          <a:xfrm>
-            <a:off x="8361781" y="3852948"/>
-            <a:ext cx="762000" cy="0"/>
-          </a:xfrm>
-          <a:prstGeom prst="straightConnector1">
-            <a:avLst/>
-          </a:prstGeom>
-          <a:ln w="19050">
-            <a:solidFill>
-              <a:srgbClr val="0070C0"/>
-            </a:solidFill>
-            <a:prstDash val="sysDash"/>
-            <a:headEnd type="arrow" w="med" len="med"/>
-            <a:tailEnd type="none" w="med" len="med"/>
-          </a:ln>
-        </p:spPr>
-        <p:style>
-          <a:lnRef idx="1">
-            <a:schemeClr val="accent1"/>
-          </a:lnRef>
-          <a:fillRef idx="0">
-            <a:schemeClr val="accent1"/>
-          </a:fillRef>
-          <a:effectRef idx="0">
-            <a:schemeClr val="accent1"/>
-          </a:effectRef>
-          <a:fontRef idx="minor">
-            <a:schemeClr val="tx1"/>
-          </a:fontRef>
-        </p:style>
-      </p:cxnSp>
-      <p:cxnSp>
-        <p:nvCxnSpPr>
-          <p:cNvPr id="42" name="Straight Arrow Connector 41">
-            <a:extLst>
-              <a:ext uri="{FF2B5EF4-FFF2-40B4-BE49-F238E27FC236}">
-                <a16:creationId xmlns:a16="http://schemas.microsoft.com/office/drawing/2014/main" id="{FDEEDB0E-2FB7-44C0-B44A-8E7035A95B3F}"/>
-              </a:ext>
-            </a:extLst>
-          </p:cNvPr>
-          <p:cNvCxnSpPr/>
-          <p:nvPr/>
-        </p:nvCxnSpPr>
-        <p:spPr>
-          <a:xfrm>
-            <a:off x="8395033" y="3471948"/>
-            <a:ext cx="162246" cy="0"/>
-          </a:xfrm>
-          <a:prstGeom prst="straightConnector1">
-            <a:avLst/>
-          </a:prstGeom>
-          <a:ln w="19050">
-            <a:headEnd type="none" w="med" len="med"/>
-            <a:tailEnd type="arrow" w="med" len="med"/>
+            <a:tailEnd type="arrow"/>
           </a:ln>
         </p:spPr>
         <p:style>
@@ -5161,6 +5155,1714 @@
   <p:clrMapOvr>
     <a:masterClrMapping/>
   </p:clrMapOvr>
+  <p:timing>
+    <p:tnLst>
+      <p:par>
+        <p:cTn id="1" dur="indefinite" restart="never" nodeType="tmRoot"/>
+      </p:par>
+    </p:tnLst>
+  </p:timing>
+</p:sld>
+</file>
+
+<file path=ppt/slides/slide2.xml><?xml version="1.0" encoding="utf-8"?>
+<p:sld xmlns:a="http://schemas.openxmlformats.org/drawingml/2006/main" xmlns:r="http://schemas.openxmlformats.org/officeDocument/2006/relationships" xmlns:p="http://schemas.openxmlformats.org/presentationml/2006/main">
+  <p:cSld>
+    <p:spTree>
+      <p:nvGrpSpPr>
+        <p:cNvPr id="1" name=""/>
+        <p:cNvGrpSpPr/>
+        <p:nvPr/>
+      </p:nvGrpSpPr>
+      <p:grpSpPr>
+        <a:xfrm>
+          <a:off x="0" y="0"/>
+          <a:ext cx="0" cy="0"/>
+          <a:chOff x="0" y="0"/>
+          <a:chExt cx="0" cy="0"/>
+        </a:xfrm>
+      </p:grpSpPr>
+      <p:sp>
+        <p:nvSpPr>
+          <p:cNvPr id="56" name="Rectangle 65"/>
+          <p:cNvSpPr/>
+          <p:nvPr/>
+        </p:nvSpPr>
+        <p:spPr>
+          <a:xfrm>
+            <a:off x="9033176" y="1160123"/>
+            <a:ext cx="1395341" cy="4347781"/>
+          </a:xfrm>
+          <a:prstGeom prst="roundRect">
+            <a:avLst>
+              <a:gd name="adj" fmla="val 3484"/>
+            </a:avLst>
+          </a:prstGeom>
+          <a:solidFill>
+            <a:srgbClr val="E6E0EC"/>
+          </a:solidFill>
+          <a:ln w="19050">
+            <a:noFill/>
+          </a:ln>
+          <a:effectLst/>
+        </p:spPr>
+        <p:style>
+          <a:lnRef idx="1">
+            <a:schemeClr val="accent2"/>
+          </a:lnRef>
+          <a:fillRef idx="2">
+            <a:schemeClr val="accent2"/>
+          </a:fillRef>
+          <a:effectRef idx="1">
+            <a:schemeClr val="accent2"/>
+          </a:effectRef>
+          <a:fontRef idx="minor">
+            <a:schemeClr val="dk1"/>
+          </a:fontRef>
+        </p:style>
+        <p:txBody>
+          <a:bodyPr rtlCol="0" anchor="t"/>
+          <a:lstStyle/>
+          <a:p>
+            <a:r>
+              <a:rPr lang="en-US" sz="1200" b="1" dirty="0">
+                <a:solidFill>
+                  <a:srgbClr val="7030A0"/>
+                </a:solidFill>
+              </a:rPr>
+              <a:t>Model</a:t>
+            </a:r>
+            <a:endParaRPr lang="en-SG" sz="1200" b="1" dirty="0">
+              <a:solidFill>
+                <a:srgbClr val="7030A0"/>
+              </a:solidFill>
+            </a:endParaRPr>
+          </a:p>
+        </p:txBody>
+      </p:sp>
+      <p:sp>
+        <p:nvSpPr>
+          <p:cNvPr id="81" name="Rectangle 65"/>
+          <p:cNvSpPr/>
+          <p:nvPr/>
+        </p:nvSpPr>
+        <p:spPr>
+          <a:xfrm>
+            <a:off x="1623393" y="1160123"/>
+            <a:ext cx="7330619" cy="4343400"/>
+          </a:xfrm>
+          <a:prstGeom prst="roundRect">
+            <a:avLst>
+              <a:gd name="adj" fmla="val 3484"/>
+            </a:avLst>
+          </a:prstGeom>
+          <a:solidFill>
+            <a:schemeClr val="accent1">
+              <a:lumMod val="20000"/>
+              <a:lumOff val="80000"/>
+            </a:schemeClr>
+          </a:solidFill>
+          <a:ln w="19050">
+            <a:noFill/>
+          </a:ln>
+          <a:effectLst/>
+        </p:spPr>
+        <p:style>
+          <a:lnRef idx="1">
+            <a:schemeClr val="accent2"/>
+          </a:lnRef>
+          <a:fillRef idx="2">
+            <a:schemeClr val="accent2"/>
+          </a:fillRef>
+          <a:effectRef idx="1">
+            <a:schemeClr val="accent2"/>
+          </a:effectRef>
+          <a:fontRef idx="minor">
+            <a:schemeClr val="dk1"/>
+          </a:fontRef>
+        </p:style>
+        <p:txBody>
+          <a:bodyPr rtlCol="0" anchor="t"/>
+          <a:lstStyle/>
+          <a:p>
+            <a:r>
+              <a:rPr lang="en-US" sz="1200" b="1" dirty="0">
+                <a:solidFill>
+                  <a:srgbClr val="0070C0"/>
+                </a:solidFill>
+              </a:rPr>
+              <a:t>Logic</a:t>
+            </a:r>
+            <a:endParaRPr lang="en-SG" sz="1200" b="1" dirty="0">
+              <a:solidFill>
+                <a:srgbClr val="0070C0"/>
+              </a:solidFill>
+            </a:endParaRPr>
+          </a:p>
+        </p:txBody>
+      </p:sp>
+      <p:sp>
+        <p:nvSpPr>
+          <p:cNvPr id="2" name="Rectangle 62"/>
+          <p:cNvSpPr/>
+          <p:nvPr/>
+        </p:nvSpPr>
+        <p:spPr>
+          <a:xfrm>
+            <a:off x="2167662" y="1545432"/>
+            <a:ext cx="1455629" cy="346760"/>
+          </a:xfrm>
+          <a:prstGeom prst="rect">
+            <a:avLst/>
+          </a:prstGeom>
+          <a:solidFill>
+            <a:srgbClr val="0070C0"/>
+          </a:solidFill>
+          <a:ln w="19050">
+            <a:solidFill>
+              <a:srgbClr val="0070C0"/>
+            </a:solidFill>
+          </a:ln>
+          <a:effectLst/>
+        </p:spPr>
+        <p:style>
+          <a:lnRef idx="1">
+            <a:schemeClr val="accent2"/>
+          </a:lnRef>
+          <a:fillRef idx="2">
+            <a:schemeClr val="accent2"/>
+          </a:fillRef>
+          <a:effectRef idx="1">
+            <a:schemeClr val="accent2"/>
+          </a:effectRef>
+          <a:fontRef idx="minor">
+            <a:schemeClr val="dk1"/>
+          </a:fontRef>
+        </p:style>
+        <p:txBody>
+          <a:bodyPr rtlCol="0" anchor="ctr"/>
+          <a:lstStyle/>
+          <a:p>
+            <a:pPr algn="ctr"/>
+            <a:r>
+              <a:rPr lang="en-US" sz="1600" dirty="0">
+                <a:solidFill>
+                  <a:schemeClr val="bg1"/>
+                </a:solidFill>
+              </a:rPr>
+              <a:t>:</a:t>
+            </a:r>
+            <a:r>
+              <a:rPr lang="en-US" sz="1600" dirty="0" err="1">
+                <a:solidFill>
+                  <a:schemeClr val="bg1"/>
+                </a:solidFill>
+              </a:rPr>
+              <a:t>LogicManager</a:t>
+            </a:r>
+            <a:endParaRPr lang="en-SG" sz="1600" dirty="0">
+              <a:solidFill>
+                <a:schemeClr val="bg1"/>
+              </a:solidFill>
+            </a:endParaRPr>
+          </a:p>
+        </p:txBody>
+      </p:sp>
+      <p:cxnSp>
+        <p:nvCxnSpPr>
+          <p:cNvPr id="5" name="Straight Connector 4"/>
+          <p:cNvCxnSpPr>
+            <a:cxnSpLocks/>
+          </p:cNvCxnSpPr>
+          <p:nvPr/>
+        </p:nvCxnSpPr>
+        <p:spPr>
+          <a:xfrm>
+            <a:off x="2895475" y="1909104"/>
+            <a:ext cx="0" cy="3481399"/>
+          </a:xfrm>
+          <a:prstGeom prst="line">
+            <a:avLst/>
+          </a:prstGeom>
+          <a:ln w="19050">
+            <a:solidFill>
+              <a:srgbClr val="0070C0"/>
+            </a:solidFill>
+            <a:prstDash val="sysDash"/>
+          </a:ln>
+          <a:effectLst/>
+        </p:spPr>
+        <p:style>
+          <a:lnRef idx="1">
+            <a:schemeClr val="accent1"/>
+          </a:lnRef>
+          <a:fillRef idx="2">
+            <a:schemeClr val="accent1"/>
+          </a:fillRef>
+          <a:effectRef idx="1">
+            <a:schemeClr val="accent1"/>
+          </a:effectRef>
+          <a:fontRef idx="minor">
+            <a:schemeClr val="dk1"/>
+          </a:fontRef>
+        </p:style>
+      </p:cxnSp>
+      <p:sp>
+        <p:nvSpPr>
+          <p:cNvPr id="6" name="Rectangle 5"/>
+          <p:cNvSpPr/>
+          <p:nvPr/>
+        </p:nvSpPr>
+        <p:spPr>
+          <a:xfrm>
+            <a:off x="2823467" y="2259798"/>
+            <a:ext cx="152400" cy="2932689"/>
+          </a:xfrm>
+          <a:prstGeom prst="rect">
+            <a:avLst/>
+          </a:prstGeom>
+          <a:solidFill>
+            <a:srgbClr val="0070C0"/>
+          </a:solidFill>
+          <a:ln>
+            <a:solidFill>
+              <a:srgbClr val="0070C0"/>
+            </a:solidFill>
+          </a:ln>
+          <a:effectLst/>
+        </p:spPr>
+        <p:style>
+          <a:lnRef idx="1">
+            <a:schemeClr val="accent3"/>
+          </a:lnRef>
+          <a:fillRef idx="2">
+            <a:schemeClr val="accent3"/>
+          </a:fillRef>
+          <a:effectRef idx="1">
+            <a:schemeClr val="accent3"/>
+          </a:effectRef>
+          <a:fontRef idx="minor">
+            <a:schemeClr val="dk1"/>
+          </a:fontRef>
+        </p:style>
+        <p:txBody>
+          <a:bodyPr rtlCol="0" anchor="ctr"/>
+          <a:lstStyle/>
+          <a:p>
+            <a:pPr algn="ctr"/>
+            <a:endParaRPr lang="en-SG" sz="1400"/>
+          </a:p>
+        </p:txBody>
+      </p:sp>
+      <p:sp>
+        <p:nvSpPr>
+          <p:cNvPr id="16" name="Rectangle 62"/>
+          <p:cNvSpPr/>
+          <p:nvPr/>
+        </p:nvSpPr>
+        <p:spPr>
+          <a:xfrm>
+            <a:off x="4721704" y="1424508"/>
+            <a:ext cx="1219200" cy="467684"/>
+          </a:xfrm>
+          <a:prstGeom prst="rect">
+            <a:avLst/>
+          </a:prstGeom>
+          <a:solidFill>
+            <a:srgbClr val="0070C0"/>
+          </a:solidFill>
+          <a:ln w="19050">
+            <a:solidFill>
+              <a:srgbClr val="0070C0"/>
+            </a:solidFill>
+          </a:ln>
+          <a:effectLst/>
+        </p:spPr>
+        <p:style>
+          <a:lnRef idx="1">
+            <a:schemeClr val="accent2"/>
+          </a:lnRef>
+          <a:fillRef idx="2">
+            <a:schemeClr val="accent2"/>
+          </a:fillRef>
+          <a:effectRef idx="1">
+            <a:schemeClr val="accent2"/>
+          </a:effectRef>
+          <a:fontRef idx="minor">
+            <a:schemeClr val="dk1"/>
+          </a:fontRef>
+        </p:style>
+        <p:txBody>
+          <a:bodyPr rtlCol="0" anchor="ctr"/>
+          <a:lstStyle/>
+          <a:p>
+            <a:pPr algn="ctr"/>
+            <a:r>
+              <a:rPr lang="en-US" sz="1550" dirty="0" smtClean="0">
+                <a:solidFill>
+                  <a:schemeClr val="bg1"/>
+                </a:solidFill>
+              </a:rPr>
+              <a:t>:</a:t>
+            </a:r>
+            <a:r>
+              <a:rPr lang="en-US" sz="1550" dirty="0" err="1" smtClean="0">
+                <a:solidFill>
+                  <a:schemeClr val="bg1"/>
+                </a:solidFill>
+              </a:rPr>
+              <a:t>TutorHelperParser</a:t>
+            </a:r>
+            <a:endParaRPr lang="en-SG" sz="1550" dirty="0">
+              <a:solidFill>
+                <a:schemeClr val="bg1"/>
+              </a:solidFill>
+            </a:endParaRPr>
+          </a:p>
+        </p:txBody>
+      </p:sp>
+      <p:cxnSp>
+        <p:nvCxnSpPr>
+          <p:cNvPr id="17" name="Straight Connector 16"/>
+          <p:cNvCxnSpPr>
+            <a:cxnSpLocks/>
+          </p:cNvCxnSpPr>
+          <p:nvPr/>
+        </p:nvCxnSpPr>
+        <p:spPr>
+          <a:xfrm>
+            <a:off x="5335103" y="1909103"/>
+            <a:ext cx="0" cy="1620000"/>
+          </a:xfrm>
+          <a:prstGeom prst="line">
+            <a:avLst/>
+          </a:prstGeom>
+          <a:ln w="19050">
+            <a:solidFill>
+              <a:srgbClr val="0070C0"/>
+            </a:solidFill>
+            <a:prstDash val="sysDash"/>
+          </a:ln>
+          <a:effectLst/>
+        </p:spPr>
+        <p:style>
+          <a:lnRef idx="1">
+            <a:schemeClr val="accent1"/>
+          </a:lnRef>
+          <a:fillRef idx="2">
+            <a:schemeClr val="accent1"/>
+          </a:fillRef>
+          <a:effectRef idx="1">
+            <a:schemeClr val="accent1"/>
+          </a:effectRef>
+          <a:fontRef idx="minor">
+            <a:schemeClr val="dk1"/>
+          </a:fontRef>
+        </p:style>
+      </p:cxnSp>
+      <p:sp>
+        <p:nvSpPr>
+          <p:cNvPr id="18" name="Rectangle 17"/>
+          <p:cNvSpPr/>
+          <p:nvPr/>
+        </p:nvSpPr>
+        <p:spPr>
+          <a:xfrm>
+            <a:off x="5263096" y="2367296"/>
+            <a:ext cx="162547" cy="1041702"/>
+          </a:xfrm>
+          <a:prstGeom prst="rect">
+            <a:avLst/>
+          </a:prstGeom>
+          <a:solidFill>
+            <a:srgbClr val="0070C0"/>
+          </a:solidFill>
+          <a:ln>
+            <a:solidFill>
+              <a:srgbClr val="0070C0"/>
+            </a:solidFill>
+          </a:ln>
+          <a:effectLst/>
+        </p:spPr>
+        <p:style>
+          <a:lnRef idx="1">
+            <a:schemeClr val="accent3"/>
+          </a:lnRef>
+          <a:fillRef idx="2">
+            <a:schemeClr val="accent3"/>
+          </a:fillRef>
+          <a:effectRef idx="1">
+            <a:schemeClr val="accent3"/>
+          </a:effectRef>
+          <a:fontRef idx="minor">
+            <a:schemeClr val="dk1"/>
+          </a:fontRef>
+        </p:style>
+        <p:txBody>
+          <a:bodyPr rtlCol="0" anchor="ctr"/>
+          <a:lstStyle/>
+          <a:p>
+            <a:pPr algn="ctr"/>
+            <a:endParaRPr lang="en-SG" sz="1400"/>
+          </a:p>
+        </p:txBody>
+      </p:sp>
+      <p:sp>
+        <p:nvSpPr>
+          <p:cNvPr id="21" name="Rectangle 20"/>
+          <p:cNvSpPr/>
+          <p:nvPr/>
+        </p:nvSpPr>
+        <p:spPr>
+          <a:xfrm>
+            <a:off x="6431300" y="2615120"/>
+            <a:ext cx="159873" cy="748567"/>
+          </a:xfrm>
+          <a:prstGeom prst="rect">
+            <a:avLst/>
+          </a:prstGeom>
+          <a:solidFill>
+            <a:srgbClr val="0070C0"/>
+          </a:solidFill>
+          <a:ln>
+            <a:solidFill>
+              <a:srgbClr val="0070C0"/>
+            </a:solidFill>
+          </a:ln>
+          <a:effectLst/>
+        </p:spPr>
+        <p:style>
+          <a:lnRef idx="1">
+            <a:schemeClr val="accent3"/>
+          </a:lnRef>
+          <a:fillRef idx="2">
+            <a:schemeClr val="accent3"/>
+          </a:fillRef>
+          <a:effectRef idx="1">
+            <a:schemeClr val="accent3"/>
+          </a:effectRef>
+          <a:fontRef idx="minor">
+            <a:schemeClr val="dk1"/>
+          </a:fontRef>
+        </p:style>
+        <p:txBody>
+          <a:bodyPr rtlCol="0" anchor="ctr"/>
+          <a:lstStyle/>
+          <a:p>
+            <a:pPr algn="ctr"/>
+            <a:endParaRPr lang="en-SG" sz="1400"/>
+          </a:p>
+        </p:txBody>
+      </p:sp>
+      <p:cxnSp>
+        <p:nvCxnSpPr>
+          <p:cNvPr id="23" name="Straight Arrow Connector 22"/>
+          <p:cNvCxnSpPr/>
+          <p:nvPr/>
+        </p:nvCxnSpPr>
+        <p:spPr>
+          <a:xfrm>
+            <a:off x="1703617" y="2263485"/>
+            <a:ext cx="1119851" cy="0"/>
+          </a:xfrm>
+          <a:prstGeom prst="straightConnector1">
+            <a:avLst/>
+          </a:prstGeom>
+          <a:ln w="19050">
+            <a:solidFill>
+              <a:srgbClr val="00B050"/>
+            </a:solidFill>
+            <a:tailEnd type="arrow"/>
+          </a:ln>
+        </p:spPr>
+        <p:style>
+          <a:lnRef idx="1">
+            <a:schemeClr val="accent1"/>
+          </a:lnRef>
+          <a:fillRef idx="0">
+            <a:schemeClr val="accent1"/>
+          </a:fillRef>
+          <a:effectRef idx="0">
+            <a:schemeClr val="accent1"/>
+          </a:effectRef>
+          <a:fontRef idx="minor">
+            <a:schemeClr val="tx1"/>
+          </a:fontRef>
+        </p:style>
+      </p:cxnSp>
+      <p:sp>
+        <p:nvSpPr>
+          <p:cNvPr id="26" name="TextBox 25"/>
+          <p:cNvSpPr txBox="1"/>
+          <p:nvPr/>
+        </p:nvSpPr>
+        <p:spPr>
+          <a:xfrm>
+            <a:off x="1795757" y="1888330"/>
+            <a:ext cx="1236834" cy="338554"/>
+          </a:xfrm>
+          <a:prstGeom prst="rect">
+            <a:avLst/>
+          </a:prstGeom>
+          <a:noFill/>
+        </p:spPr>
+        <p:txBody>
+          <a:bodyPr wrap="square" lIns="0" tIns="0" rIns="0" bIns="0" rtlCol="0">
+            <a:spAutoFit/>
+          </a:bodyPr>
+          <a:lstStyle/>
+          <a:p>
+            <a:r>
+              <a:rPr lang="en-US" sz="1100" dirty="0">
+                <a:solidFill>
+                  <a:srgbClr val="0070C0"/>
+                </a:solidFill>
+              </a:rPr>
+              <a:t>execute(</a:t>
+            </a:r>
+          </a:p>
+          <a:p>
+            <a:r>
+              <a:rPr lang="en-US" sz="1100" dirty="0">
+                <a:solidFill>
+                  <a:srgbClr val="0070C0"/>
+                </a:solidFill>
+              </a:rPr>
+              <a:t>“group </a:t>
+            </a:r>
+            <a:r>
+              <a:rPr lang="en-US" sz="1100" dirty="0" smtClean="0">
+                <a:solidFill>
+                  <a:srgbClr val="0070C0"/>
+                </a:solidFill>
+              </a:rPr>
+              <a:t>12:00pm”)</a:t>
+            </a:r>
+            <a:endParaRPr lang="en-US" sz="1100" dirty="0">
+              <a:solidFill>
+                <a:srgbClr val="0070C0"/>
+              </a:solidFill>
+            </a:endParaRPr>
+          </a:p>
+        </p:txBody>
+      </p:sp>
+      <p:cxnSp>
+        <p:nvCxnSpPr>
+          <p:cNvPr id="28" name="Straight Arrow Connector 27"/>
+          <p:cNvCxnSpPr/>
+          <p:nvPr/>
+        </p:nvCxnSpPr>
+        <p:spPr>
+          <a:xfrm>
+            <a:off x="5362582" y="2507787"/>
+            <a:ext cx="601201" cy="6041"/>
+          </a:xfrm>
+          <a:prstGeom prst="straightConnector1">
+            <a:avLst/>
+          </a:prstGeom>
+          <a:ln w="19050">
+            <a:solidFill>
+              <a:srgbClr val="0070C0"/>
+            </a:solidFill>
+            <a:tailEnd type="arrow"/>
+          </a:ln>
+        </p:spPr>
+        <p:style>
+          <a:lnRef idx="1">
+            <a:schemeClr val="accent1"/>
+          </a:lnRef>
+          <a:fillRef idx="0">
+            <a:schemeClr val="accent1"/>
+          </a:fillRef>
+          <a:effectRef idx="0">
+            <a:schemeClr val="accent1"/>
+          </a:effectRef>
+          <a:fontRef idx="minor">
+            <a:schemeClr val="tx1"/>
+          </a:fontRef>
+        </p:style>
+      </p:cxnSp>
+      <p:sp>
+        <p:nvSpPr>
+          <p:cNvPr id="29" name="TextBox 28"/>
+          <p:cNvSpPr txBox="1"/>
+          <p:nvPr/>
+        </p:nvSpPr>
+        <p:spPr>
+          <a:xfrm>
+            <a:off x="4162508" y="3485557"/>
+            <a:ext cx="855809" cy="215444"/>
+          </a:xfrm>
+          <a:prstGeom prst="rect">
+            <a:avLst/>
+          </a:prstGeom>
+          <a:noFill/>
+        </p:spPr>
+        <p:txBody>
+          <a:bodyPr wrap="square" lIns="0" tIns="0" rIns="0" bIns="0" rtlCol="0">
+            <a:spAutoFit/>
+          </a:bodyPr>
+          <a:lstStyle>
+            <a:defPPr>
+              <a:defRPr lang="en-US"/>
+            </a:defPPr>
+            <a:lvl1pPr algn="r">
+              <a:defRPr sz="1400">
+                <a:solidFill>
+                  <a:srgbClr val="0070C0"/>
+                </a:solidFill>
+              </a:defRPr>
+            </a:lvl1pPr>
+          </a:lstStyle>
+          <a:p>
+            <a:r>
+              <a:rPr lang="en-US" dirty="0"/>
+              <a:t>execute()</a:t>
+            </a:r>
+          </a:p>
+        </p:txBody>
+      </p:sp>
+      <p:cxnSp>
+        <p:nvCxnSpPr>
+          <p:cNvPr id="34" name="Straight Arrow Connector 33"/>
+          <p:cNvCxnSpPr/>
+          <p:nvPr/>
+        </p:nvCxnSpPr>
+        <p:spPr>
+          <a:xfrm>
+            <a:off x="5393624" y="3275645"/>
+            <a:ext cx="1080000" cy="0"/>
+          </a:xfrm>
+          <a:prstGeom prst="straightConnector1">
+            <a:avLst/>
+          </a:prstGeom>
+          <a:ln w="19050">
+            <a:solidFill>
+              <a:srgbClr val="0070C0"/>
+            </a:solidFill>
+            <a:prstDash val="sysDash"/>
+            <a:headEnd type="arrow" w="med" len="med"/>
+            <a:tailEnd type="none" w="med" len="med"/>
+          </a:ln>
+        </p:spPr>
+        <p:style>
+          <a:lnRef idx="1">
+            <a:schemeClr val="accent1"/>
+          </a:lnRef>
+          <a:fillRef idx="0">
+            <a:schemeClr val="accent1"/>
+          </a:fillRef>
+          <a:effectRef idx="0">
+            <a:schemeClr val="accent1"/>
+          </a:effectRef>
+          <a:fontRef idx="minor">
+            <a:schemeClr val="tx1"/>
+          </a:fontRef>
+        </p:style>
+      </p:cxnSp>
+      <p:cxnSp>
+        <p:nvCxnSpPr>
+          <p:cNvPr id="35" name="Straight Arrow Connector 34"/>
+          <p:cNvCxnSpPr>
+            <a:cxnSpLocks/>
+          </p:cNvCxnSpPr>
+          <p:nvPr/>
+        </p:nvCxnSpPr>
+        <p:spPr>
+          <a:xfrm>
+            <a:off x="2929696" y="3363686"/>
+            <a:ext cx="2348067" cy="0"/>
+          </a:xfrm>
+          <a:prstGeom prst="straightConnector1">
+            <a:avLst/>
+          </a:prstGeom>
+          <a:ln w="19050">
+            <a:solidFill>
+              <a:srgbClr val="0070C0"/>
+            </a:solidFill>
+            <a:prstDash val="sysDash"/>
+            <a:headEnd type="arrow" w="med" len="med"/>
+            <a:tailEnd type="none" w="med" len="med"/>
+          </a:ln>
+        </p:spPr>
+        <p:style>
+          <a:lnRef idx="1">
+            <a:schemeClr val="accent1"/>
+          </a:lnRef>
+          <a:fillRef idx="0">
+            <a:schemeClr val="accent1"/>
+          </a:fillRef>
+          <a:effectRef idx="0">
+            <a:schemeClr val="accent1"/>
+          </a:effectRef>
+          <a:fontRef idx="minor">
+            <a:schemeClr val="tx1"/>
+          </a:fontRef>
+        </p:style>
+      </p:cxnSp>
+      <p:cxnSp>
+        <p:nvCxnSpPr>
+          <p:cNvPr id="37" name="Straight Arrow Connector 36"/>
+          <p:cNvCxnSpPr/>
+          <p:nvPr/>
+        </p:nvCxnSpPr>
+        <p:spPr>
+          <a:xfrm>
+            <a:off x="1665516" y="5192486"/>
+            <a:ext cx="1196051" cy="0"/>
+          </a:xfrm>
+          <a:prstGeom prst="straightConnector1">
+            <a:avLst/>
+          </a:prstGeom>
+          <a:ln w="19050">
+            <a:solidFill>
+              <a:schemeClr val="accent1"/>
+            </a:solidFill>
+            <a:prstDash val="sysDash"/>
+            <a:headEnd type="arrow" w="med" len="med"/>
+            <a:tailEnd type="none" w="med" len="med"/>
+          </a:ln>
+        </p:spPr>
+        <p:style>
+          <a:lnRef idx="1">
+            <a:schemeClr val="accent1"/>
+          </a:lnRef>
+          <a:fillRef idx="0">
+            <a:schemeClr val="accent1"/>
+          </a:fillRef>
+          <a:effectRef idx="0">
+            <a:schemeClr val="accent1"/>
+          </a:effectRef>
+          <a:fontRef idx="minor">
+            <a:schemeClr val="tx1"/>
+          </a:fontRef>
+        </p:style>
+      </p:cxnSp>
+      <p:sp>
+        <p:nvSpPr>
+          <p:cNvPr id="80" name="TextBox 79"/>
+          <p:cNvSpPr txBox="1"/>
+          <p:nvPr/>
+        </p:nvSpPr>
+        <p:spPr>
+          <a:xfrm>
+            <a:off x="2929695" y="2107756"/>
+            <a:ext cx="2234620" cy="169277"/>
+          </a:xfrm>
+          <a:prstGeom prst="rect">
+            <a:avLst/>
+          </a:prstGeom>
+          <a:noFill/>
+        </p:spPr>
+        <p:txBody>
+          <a:bodyPr wrap="square" lIns="0" tIns="0" rIns="0" bIns="0" rtlCol="0">
+            <a:spAutoFit/>
+          </a:bodyPr>
+          <a:lstStyle>
+            <a:defPPr>
+              <a:defRPr lang="en-US"/>
+            </a:defPPr>
+            <a:lvl1pPr algn="r">
+              <a:defRPr sz="1400">
+                <a:solidFill>
+                  <a:srgbClr val="0070C0"/>
+                </a:solidFill>
+              </a:defRPr>
+            </a:lvl1pPr>
+          </a:lstStyle>
+          <a:p>
+            <a:r>
+              <a:rPr lang="en-US" sz="1100" dirty="0" err="1"/>
+              <a:t>parseCommand</a:t>
+            </a:r>
+            <a:r>
+              <a:rPr lang="en-US" sz="1100" dirty="0"/>
+              <a:t>(“group </a:t>
+            </a:r>
+            <a:r>
+              <a:rPr lang="en-US" sz="1100" dirty="0" smtClean="0"/>
+              <a:t>12:00pm”)</a:t>
+            </a:r>
+            <a:endParaRPr lang="en-US" sz="1100" dirty="0"/>
+          </a:p>
+        </p:txBody>
+      </p:sp>
+      <p:sp>
+        <p:nvSpPr>
+          <p:cNvPr id="82" name="TextBox 81"/>
+          <p:cNvSpPr txBox="1"/>
+          <p:nvPr/>
+        </p:nvSpPr>
+        <p:spPr>
+          <a:xfrm>
+            <a:off x="4557271" y="4792562"/>
+            <a:ext cx="621216" cy="215444"/>
+          </a:xfrm>
+          <a:prstGeom prst="rect">
+            <a:avLst/>
+          </a:prstGeom>
+          <a:noFill/>
+        </p:spPr>
+        <p:txBody>
+          <a:bodyPr wrap="square" lIns="0" tIns="0" rIns="0" bIns="0" rtlCol="0">
+            <a:spAutoFit/>
+          </a:bodyPr>
+          <a:lstStyle>
+            <a:defPPr>
+              <a:defRPr lang="en-US"/>
+            </a:defPPr>
+            <a:lvl1pPr algn="r">
+              <a:defRPr sz="1400">
+                <a:solidFill>
+                  <a:srgbClr val="0070C0"/>
+                </a:solidFill>
+              </a:defRPr>
+            </a:lvl1pPr>
+          </a:lstStyle>
+          <a:p>
+            <a:r>
+              <a:rPr lang="en-US" dirty="0"/>
+              <a:t>result</a:t>
+            </a:r>
+          </a:p>
+        </p:txBody>
+      </p:sp>
+      <p:sp>
+        <p:nvSpPr>
+          <p:cNvPr id="83" name="TextBox 82"/>
+          <p:cNvSpPr txBox="1"/>
+          <p:nvPr/>
+        </p:nvSpPr>
+        <p:spPr>
+          <a:xfrm>
+            <a:off x="1929786" y="4947387"/>
+            <a:ext cx="762000" cy="215444"/>
+          </a:xfrm>
+          <a:prstGeom prst="rect">
+            <a:avLst/>
+          </a:prstGeom>
+          <a:noFill/>
+        </p:spPr>
+        <p:txBody>
+          <a:bodyPr wrap="square" lIns="0" tIns="0" rIns="0" bIns="0" rtlCol="0">
+            <a:spAutoFit/>
+          </a:bodyPr>
+          <a:lstStyle>
+            <a:defPPr>
+              <a:defRPr lang="en-US"/>
+            </a:defPPr>
+            <a:lvl1pPr algn="r">
+              <a:defRPr sz="1400">
+                <a:solidFill>
+                  <a:srgbClr val="0070C0"/>
+                </a:solidFill>
+              </a:defRPr>
+            </a:lvl1pPr>
+          </a:lstStyle>
+          <a:p>
+            <a:r>
+              <a:rPr lang="en-US" dirty="0"/>
+              <a:t>result</a:t>
+            </a:r>
+          </a:p>
+        </p:txBody>
+      </p:sp>
+      <p:sp>
+        <p:nvSpPr>
+          <p:cNvPr id="40" name="Rectangle 62"/>
+          <p:cNvSpPr/>
+          <p:nvPr/>
+        </p:nvSpPr>
+        <p:spPr>
+          <a:xfrm>
+            <a:off x="9267420" y="3363686"/>
+            <a:ext cx="841636" cy="300180"/>
+          </a:xfrm>
+          <a:prstGeom prst="rect">
+            <a:avLst/>
+          </a:prstGeom>
+          <a:solidFill>
+            <a:srgbClr val="7030A0"/>
+          </a:solidFill>
+          <a:ln w="19050">
+            <a:solidFill>
+              <a:srgbClr val="7030A0"/>
+            </a:solidFill>
+          </a:ln>
+          <a:effectLst/>
+        </p:spPr>
+        <p:style>
+          <a:lnRef idx="1">
+            <a:schemeClr val="accent2"/>
+          </a:lnRef>
+          <a:fillRef idx="2">
+            <a:schemeClr val="accent2"/>
+          </a:fillRef>
+          <a:effectRef idx="1">
+            <a:schemeClr val="accent2"/>
+          </a:effectRef>
+          <a:fontRef idx="minor">
+            <a:schemeClr val="dk1"/>
+          </a:fontRef>
+        </p:style>
+        <p:txBody>
+          <a:bodyPr rtlCol="0" anchor="ctr"/>
+          <a:lstStyle/>
+          <a:p>
+            <a:pPr algn="ctr"/>
+            <a:r>
+              <a:rPr lang="en-US" sz="1600" dirty="0">
+                <a:solidFill>
+                  <a:schemeClr val="bg1"/>
+                </a:solidFill>
+              </a:rPr>
+              <a:t>: Model</a:t>
+            </a:r>
+            <a:endParaRPr lang="en-SG" sz="1600" dirty="0">
+              <a:solidFill>
+                <a:schemeClr val="bg1"/>
+              </a:solidFill>
+            </a:endParaRPr>
+          </a:p>
+        </p:txBody>
+      </p:sp>
+      <p:cxnSp>
+        <p:nvCxnSpPr>
+          <p:cNvPr id="46" name="Straight Connector 45"/>
+          <p:cNvCxnSpPr>
+            <a:cxnSpLocks/>
+          </p:cNvCxnSpPr>
+          <p:nvPr/>
+        </p:nvCxnSpPr>
+        <p:spPr>
+          <a:xfrm flipH="1">
+            <a:off x="9704147" y="3654792"/>
+            <a:ext cx="3959" cy="1735710"/>
+          </a:xfrm>
+          <a:prstGeom prst="line">
+            <a:avLst/>
+          </a:prstGeom>
+          <a:ln w="19050">
+            <a:solidFill>
+              <a:srgbClr val="7030A0"/>
+            </a:solidFill>
+            <a:prstDash val="sysDash"/>
+          </a:ln>
+          <a:effectLst/>
+        </p:spPr>
+        <p:style>
+          <a:lnRef idx="1">
+            <a:schemeClr val="accent1"/>
+          </a:lnRef>
+          <a:fillRef idx="2">
+            <a:schemeClr val="accent1"/>
+          </a:fillRef>
+          <a:effectRef idx="1">
+            <a:schemeClr val="accent1"/>
+          </a:effectRef>
+          <a:fontRef idx="minor">
+            <a:schemeClr val="dk1"/>
+          </a:fontRef>
+        </p:style>
+      </p:cxnSp>
+      <p:sp>
+        <p:nvSpPr>
+          <p:cNvPr id="49" name="Rectangle 48"/>
+          <p:cNvSpPr/>
+          <p:nvPr/>
+        </p:nvSpPr>
+        <p:spPr>
+          <a:xfrm>
+            <a:off x="9605182" y="3959593"/>
+            <a:ext cx="168896" cy="775693"/>
+          </a:xfrm>
+          <a:prstGeom prst="rect">
+            <a:avLst/>
+          </a:prstGeom>
+          <a:solidFill>
+            <a:srgbClr val="7030A0"/>
+          </a:solidFill>
+          <a:ln>
+            <a:solidFill>
+              <a:srgbClr val="7030A0"/>
+            </a:solidFill>
+          </a:ln>
+          <a:effectLst/>
+        </p:spPr>
+        <p:style>
+          <a:lnRef idx="1">
+            <a:schemeClr val="accent3"/>
+          </a:lnRef>
+          <a:fillRef idx="2">
+            <a:schemeClr val="accent3"/>
+          </a:fillRef>
+          <a:effectRef idx="1">
+            <a:schemeClr val="accent3"/>
+          </a:effectRef>
+          <a:fontRef idx="minor">
+            <a:schemeClr val="dk1"/>
+          </a:fontRef>
+        </p:style>
+        <p:txBody>
+          <a:bodyPr rtlCol="0" anchor="ctr"/>
+          <a:lstStyle/>
+          <a:p>
+            <a:pPr algn="ctr"/>
+            <a:endParaRPr lang="en-SG" sz="1400"/>
+          </a:p>
+        </p:txBody>
+      </p:sp>
+      <p:cxnSp>
+        <p:nvCxnSpPr>
+          <p:cNvPr id="50" name="Straight Arrow Connector 49"/>
+          <p:cNvCxnSpPr>
+            <a:cxnSpLocks/>
+          </p:cNvCxnSpPr>
+          <p:nvPr/>
+        </p:nvCxnSpPr>
+        <p:spPr>
+          <a:xfrm>
+            <a:off x="8142516" y="3977779"/>
+            <a:ext cx="1476000" cy="0"/>
+          </a:xfrm>
+          <a:prstGeom prst="straightConnector1">
+            <a:avLst/>
+          </a:prstGeom>
+          <a:ln w="19050">
+            <a:solidFill>
+              <a:srgbClr val="0070C0"/>
+            </a:solidFill>
+            <a:tailEnd type="arrow"/>
+          </a:ln>
+        </p:spPr>
+        <p:style>
+          <a:lnRef idx="1">
+            <a:schemeClr val="accent1"/>
+          </a:lnRef>
+          <a:fillRef idx="0">
+            <a:schemeClr val="accent1"/>
+          </a:fillRef>
+          <a:effectRef idx="0">
+            <a:schemeClr val="accent1"/>
+          </a:effectRef>
+          <a:fontRef idx="minor">
+            <a:schemeClr val="tx1"/>
+          </a:fontRef>
+        </p:style>
+      </p:cxnSp>
+      <p:sp>
+        <p:nvSpPr>
+          <p:cNvPr id="19" name="Rectangle 62"/>
+          <p:cNvSpPr/>
+          <p:nvPr/>
+        </p:nvSpPr>
+        <p:spPr>
+          <a:xfrm>
+            <a:off x="5941395" y="2261754"/>
+            <a:ext cx="1093635" cy="461538"/>
+          </a:xfrm>
+          <a:prstGeom prst="rect">
+            <a:avLst/>
+          </a:prstGeom>
+          <a:solidFill>
+            <a:srgbClr val="0070C0"/>
+          </a:solidFill>
+          <a:ln w="19050">
+            <a:solidFill>
+              <a:srgbClr val="0070C0"/>
+            </a:solidFill>
+          </a:ln>
+          <a:effectLst/>
+        </p:spPr>
+        <p:style>
+          <a:lnRef idx="1">
+            <a:schemeClr val="accent2"/>
+          </a:lnRef>
+          <a:fillRef idx="2">
+            <a:schemeClr val="accent2"/>
+          </a:fillRef>
+          <a:effectRef idx="1">
+            <a:schemeClr val="accent2"/>
+          </a:effectRef>
+          <a:fontRef idx="minor">
+            <a:schemeClr val="dk1"/>
+          </a:fontRef>
+        </p:style>
+        <p:txBody>
+          <a:bodyPr rtlCol="0" anchor="ctr"/>
+          <a:lstStyle/>
+          <a:p>
+            <a:pPr algn="ctr"/>
+            <a:r>
+              <a:rPr lang="en-US" sz="1050" dirty="0">
+                <a:solidFill>
+                  <a:schemeClr val="bg1"/>
+                </a:solidFill>
+              </a:rPr>
+              <a:t>:Group</a:t>
+            </a:r>
+            <a:br>
+              <a:rPr lang="en-US" sz="1050" dirty="0">
+                <a:solidFill>
+                  <a:schemeClr val="bg1"/>
+                </a:solidFill>
+              </a:rPr>
+            </a:br>
+            <a:r>
+              <a:rPr lang="en-US" sz="1050" dirty="0" err="1">
+                <a:solidFill>
+                  <a:schemeClr val="bg1"/>
+                </a:solidFill>
+              </a:rPr>
+              <a:t>CommandParser</a:t>
+            </a:r>
+            <a:endParaRPr lang="en-SG" sz="1050" dirty="0">
+              <a:solidFill>
+                <a:schemeClr val="bg1"/>
+              </a:solidFill>
+            </a:endParaRPr>
+          </a:p>
+        </p:txBody>
+      </p:sp>
+      <p:cxnSp>
+        <p:nvCxnSpPr>
+          <p:cNvPr id="66" name="Straight Arrow Connector 65">
+            <a:extLst>
+              <a:ext uri="{FF2B5EF4-FFF2-40B4-BE49-F238E27FC236}">
+                <a16:creationId xmlns:a16="http://schemas.microsoft.com/office/drawing/2014/main" xmlns="" id="{39916E2E-195A-4DC8-B025-B05FA87E6796}"/>
+              </a:ext>
+            </a:extLst>
+          </p:cNvPr>
+          <p:cNvCxnSpPr>
+            <a:cxnSpLocks/>
+          </p:cNvCxnSpPr>
+          <p:nvPr/>
+        </p:nvCxnSpPr>
+        <p:spPr>
+          <a:xfrm>
+            <a:off x="2950116" y="3750681"/>
+            <a:ext cx="5040000" cy="0"/>
+          </a:xfrm>
+          <a:prstGeom prst="straightConnector1">
+            <a:avLst/>
+          </a:prstGeom>
+          <a:ln w="19050">
+            <a:solidFill>
+              <a:srgbClr val="0070C0"/>
+            </a:solidFill>
+            <a:tailEnd type="arrow"/>
+          </a:ln>
+        </p:spPr>
+        <p:style>
+          <a:lnRef idx="1">
+            <a:schemeClr val="accent1"/>
+          </a:lnRef>
+          <a:fillRef idx="0">
+            <a:schemeClr val="accent1"/>
+          </a:fillRef>
+          <a:effectRef idx="0">
+            <a:schemeClr val="accent1"/>
+          </a:effectRef>
+          <a:fontRef idx="minor">
+            <a:schemeClr val="tx1"/>
+          </a:fontRef>
+        </p:style>
+      </p:cxnSp>
+      <p:cxnSp>
+        <p:nvCxnSpPr>
+          <p:cNvPr id="67" name="Straight Arrow Connector 66">
+            <a:extLst>
+              <a:ext uri="{FF2B5EF4-FFF2-40B4-BE49-F238E27FC236}">
+                <a16:creationId xmlns:a16="http://schemas.microsoft.com/office/drawing/2014/main" xmlns="" id="{D881596E-177C-4FDC-8E60-CAB90B3D5FAB}"/>
+              </a:ext>
+            </a:extLst>
+          </p:cNvPr>
+          <p:cNvCxnSpPr>
+            <a:cxnSpLocks/>
+          </p:cNvCxnSpPr>
+          <p:nvPr/>
+        </p:nvCxnSpPr>
+        <p:spPr>
+          <a:xfrm>
+            <a:off x="2992762" y="2365405"/>
+            <a:ext cx="2256705" cy="1"/>
+          </a:xfrm>
+          <a:prstGeom prst="straightConnector1">
+            <a:avLst/>
+          </a:prstGeom>
+          <a:ln w="19050">
+            <a:solidFill>
+              <a:srgbClr val="0070C0"/>
+            </a:solidFill>
+            <a:tailEnd type="arrow"/>
+          </a:ln>
+        </p:spPr>
+        <p:style>
+          <a:lnRef idx="1">
+            <a:schemeClr val="accent1"/>
+          </a:lnRef>
+          <a:fillRef idx="0">
+            <a:schemeClr val="accent1"/>
+          </a:fillRef>
+          <a:effectRef idx="0">
+            <a:schemeClr val="accent1"/>
+          </a:effectRef>
+          <a:fontRef idx="minor">
+            <a:schemeClr val="tx1"/>
+          </a:fontRef>
+        </p:style>
+      </p:cxnSp>
+      <p:cxnSp>
+        <p:nvCxnSpPr>
+          <p:cNvPr id="69" name="Straight Arrow Connector 68">
+            <a:extLst>
+              <a:ext uri="{FF2B5EF4-FFF2-40B4-BE49-F238E27FC236}">
+                <a16:creationId xmlns:a16="http://schemas.microsoft.com/office/drawing/2014/main" xmlns="" id="{7C9F21BC-13A9-471F-825A-2621FD36355F}"/>
+              </a:ext>
+            </a:extLst>
+          </p:cNvPr>
+          <p:cNvCxnSpPr>
+            <a:cxnSpLocks/>
+          </p:cNvCxnSpPr>
+          <p:nvPr/>
+        </p:nvCxnSpPr>
+        <p:spPr>
+          <a:xfrm flipV="1">
+            <a:off x="2950116" y="5037948"/>
+            <a:ext cx="5040000" cy="1"/>
+          </a:xfrm>
+          <a:prstGeom prst="straightConnector1">
+            <a:avLst/>
+          </a:prstGeom>
+          <a:ln w="19050">
+            <a:solidFill>
+              <a:srgbClr val="0070C0"/>
+            </a:solidFill>
+            <a:prstDash val="sysDash"/>
+            <a:headEnd type="arrow" w="med" len="med"/>
+            <a:tailEnd type="none" w="med" len="med"/>
+          </a:ln>
+        </p:spPr>
+        <p:style>
+          <a:lnRef idx="1">
+            <a:schemeClr val="accent1"/>
+          </a:lnRef>
+          <a:fillRef idx="0">
+            <a:schemeClr val="accent1"/>
+          </a:fillRef>
+          <a:effectRef idx="0">
+            <a:schemeClr val="accent1"/>
+          </a:effectRef>
+          <a:fontRef idx="minor">
+            <a:schemeClr val="tx1"/>
+          </a:fontRef>
+        </p:style>
+      </p:cxnSp>
+      <p:cxnSp>
+        <p:nvCxnSpPr>
+          <p:cNvPr id="63" name="Straight Arrow Connector 62">
+            <a:extLst>
+              <a:ext uri="{FF2B5EF4-FFF2-40B4-BE49-F238E27FC236}">
+                <a16:creationId xmlns:a16="http://schemas.microsoft.com/office/drawing/2014/main" xmlns="" id="{7C9F21BC-13A9-471F-825A-2621FD36355F}"/>
+              </a:ext>
+            </a:extLst>
+          </p:cNvPr>
+          <p:cNvCxnSpPr>
+            <a:cxnSpLocks/>
+          </p:cNvCxnSpPr>
+          <p:nvPr/>
+        </p:nvCxnSpPr>
+        <p:spPr>
+          <a:xfrm>
+            <a:off x="8172384" y="4735285"/>
+            <a:ext cx="1432799" cy="0"/>
+          </a:xfrm>
+          <a:prstGeom prst="straightConnector1">
+            <a:avLst/>
+          </a:prstGeom>
+          <a:ln w="19050">
+            <a:solidFill>
+              <a:srgbClr val="7030A0"/>
+            </a:solidFill>
+            <a:prstDash val="sysDash"/>
+            <a:headEnd type="arrow" w="med" len="med"/>
+            <a:tailEnd type="none" w="med" len="med"/>
+          </a:ln>
+        </p:spPr>
+        <p:style>
+          <a:lnRef idx="1">
+            <a:schemeClr val="accent1"/>
+          </a:lnRef>
+          <a:fillRef idx="0">
+            <a:schemeClr val="accent1"/>
+          </a:fillRef>
+          <a:effectRef idx="0">
+            <a:schemeClr val="accent1"/>
+          </a:effectRef>
+          <a:fontRef idx="minor">
+            <a:schemeClr val="tx1"/>
+          </a:fontRef>
+        </p:style>
+      </p:cxnSp>
+      <p:sp>
+        <p:nvSpPr>
+          <p:cNvPr id="43" name="Rectangle 62"/>
+          <p:cNvSpPr/>
+          <p:nvPr/>
+        </p:nvSpPr>
+        <p:spPr>
+          <a:xfrm>
+            <a:off x="7532241" y="2570735"/>
+            <a:ext cx="1093635" cy="461538"/>
+          </a:xfrm>
+          <a:prstGeom prst="rect">
+            <a:avLst/>
+          </a:prstGeom>
+          <a:solidFill>
+            <a:srgbClr val="0070C0"/>
+          </a:solidFill>
+          <a:ln w="19050">
+            <a:solidFill>
+              <a:srgbClr val="0070C0"/>
+            </a:solidFill>
+          </a:ln>
+          <a:effectLst/>
+        </p:spPr>
+        <p:style>
+          <a:lnRef idx="1">
+            <a:schemeClr val="accent2"/>
+          </a:lnRef>
+          <a:fillRef idx="2">
+            <a:schemeClr val="accent2"/>
+          </a:fillRef>
+          <a:effectRef idx="1">
+            <a:schemeClr val="accent2"/>
+          </a:effectRef>
+          <a:fontRef idx="minor">
+            <a:schemeClr val="dk1"/>
+          </a:fontRef>
+        </p:style>
+        <p:txBody>
+          <a:bodyPr rtlCol="0" anchor="ctr"/>
+          <a:lstStyle/>
+          <a:p>
+            <a:pPr algn="ctr"/>
+            <a:r>
+              <a:rPr lang="en-US" sz="1050" dirty="0">
+                <a:solidFill>
+                  <a:schemeClr val="bg1"/>
+                </a:solidFill>
+              </a:rPr>
+              <a:t>:Group</a:t>
+            </a:r>
+            <a:br>
+              <a:rPr lang="en-US" sz="1050" dirty="0">
+                <a:solidFill>
+                  <a:schemeClr val="bg1"/>
+                </a:solidFill>
+              </a:rPr>
+            </a:br>
+            <a:r>
+              <a:rPr lang="en-US" sz="1050" dirty="0">
+                <a:solidFill>
+                  <a:schemeClr val="bg1"/>
+                </a:solidFill>
+              </a:rPr>
+              <a:t>Command</a:t>
+            </a:r>
+            <a:endParaRPr lang="en-SG" sz="1050" dirty="0">
+              <a:solidFill>
+                <a:schemeClr val="bg1"/>
+              </a:solidFill>
+            </a:endParaRPr>
+          </a:p>
+        </p:txBody>
+      </p:sp>
+      <p:cxnSp>
+        <p:nvCxnSpPr>
+          <p:cNvPr id="44" name="Straight Arrow Connector 43"/>
+          <p:cNvCxnSpPr/>
+          <p:nvPr/>
+        </p:nvCxnSpPr>
+        <p:spPr>
+          <a:xfrm>
+            <a:off x="6610524" y="2801505"/>
+            <a:ext cx="922392" cy="0"/>
+          </a:xfrm>
+          <a:prstGeom prst="straightConnector1">
+            <a:avLst/>
+          </a:prstGeom>
+          <a:ln w="19050">
+            <a:solidFill>
+              <a:srgbClr val="0070C0"/>
+            </a:solidFill>
+            <a:tailEnd type="arrow"/>
+          </a:ln>
+        </p:spPr>
+        <p:style>
+          <a:lnRef idx="1">
+            <a:schemeClr val="accent1"/>
+          </a:lnRef>
+          <a:fillRef idx="0">
+            <a:schemeClr val="accent1"/>
+          </a:fillRef>
+          <a:effectRef idx="0">
+            <a:schemeClr val="accent1"/>
+          </a:effectRef>
+          <a:fontRef idx="minor">
+            <a:schemeClr val="tx1"/>
+          </a:fontRef>
+        </p:style>
+      </p:cxnSp>
+      <p:sp>
+        <p:nvSpPr>
+          <p:cNvPr id="47" name="Rectangle 46"/>
+          <p:cNvSpPr/>
+          <p:nvPr/>
+        </p:nvSpPr>
+        <p:spPr>
+          <a:xfrm>
+            <a:off x="7999121" y="2973711"/>
+            <a:ext cx="178547" cy="2064237"/>
+          </a:xfrm>
+          <a:prstGeom prst="rect">
+            <a:avLst/>
+          </a:prstGeom>
+          <a:solidFill>
+            <a:srgbClr val="0070C0"/>
+          </a:solidFill>
+          <a:ln>
+            <a:solidFill>
+              <a:srgbClr val="0070C0"/>
+            </a:solidFill>
+          </a:ln>
+          <a:effectLst/>
+        </p:spPr>
+        <p:style>
+          <a:lnRef idx="1">
+            <a:schemeClr val="accent3"/>
+          </a:lnRef>
+          <a:fillRef idx="2">
+            <a:schemeClr val="accent3"/>
+          </a:fillRef>
+          <a:effectRef idx="1">
+            <a:schemeClr val="accent3"/>
+          </a:effectRef>
+          <a:fontRef idx="minor">
+            <a:schemeClr val="dk1"/>
+          </a:fontRef>
+        </p:style>
+        <p:txBody>
+          <a:bodyPr rtlCol="0" anchor="ctr"/>
+          <a:lstStyle/>
+          <a:p>
+            <a:pPr algn="ctr"/>
+            <a:endParaRPr lang="en-SG" sz="1400"/>
+          </a:p>
+        </p:txBody>
+      </p:sp>
+      <p:cxnSp>
+        <p:nvCxnSpPr>
+          <p:cNvPr id="48" name="Straight Arrow Connector 47"/>
+          <p:cNvCxnSpPr/>
+          <p:nvPr/>
+        </p:nvCxnSpPr>
+        <p:spPr>
+          <a:xfrm>
+            <a:off x="6596318" y="3135086"/>
+            <a:ext cx="1492974" cy="0"/>
+          </a:xfrm>
+          <a:prstGeom prst="straightConnector1">
+            <a:avLst/>
+          </a:prstGeom>
+          <a:ln w="19050">
+            <a:solidFill>
+              <a:srgbClr val="0070C0"/>
+            </a:solidFill>
+            <a:prstDash val="sysDash"/>
+            <a:headEnd type="arrow" w="med" len="med"/>
+            <a:tailEnd type="none" w="med" len="med"/>
+          </a:ln>
+        </p:spPr>
+        <p:style>
+          <a:lnRef idx="1">
+            <a:schemeClr val="accent1"/>
+          </a:lnRef>
+          <a:fillRef idx="0">
+            <a:schemeClr val="accent1"/>
+          </a:fillRef>
+          <a:effectRef idx="0">
+            <a:schemeClr val="accent1"/>
+          </a:effectRef>
+          <a:fontRef idx="minor">
+            <a:schemeClr val="tx1"/>
+          </a:fontRef>
+        </p:style>
+      </p:cxnSp>
+      <p:cxnSp>
+        <p:nvCxnSpPr>
+          <p:cNvPr id="42" name="Straight Arrow Connector 41"/>
+          <p:cNvCxnSpPr>
+            <a:cxnSpLocks/>
+          </p:cNvCxnSpPr>
+          <p:nvPr/>
+        </p:nvCxnSpPr>
+        <p:spPr>
+          <a:xfrm>
+            <a:off x="8172384" y="4201389"/>
+            <a:ext cx="1432798" cy="1"/>
+          </a:xfrm>
+          <a:prstGeom prst="straightConnector1">
+            <a:avLst/>
+          </a:prstGeom>
+          <a:ln w="19050">
+            <a:solidFill>
+              <a:srgbClr val="0070C0"/>
+            </a:solidFill>
+            <a:tailEnd type="arrow"/>
+          </a:ln>
+        </p:spPr>
+        <p:style>
+          <a:lnRef idx="1">
+            <a:schemeClr val="accent1"/>
+          </a:lnRef>
+          <a:fillRef idx="0">
+            <a:schemeClr val="accent1"/>
+          </a:fillRef>
+          <a:effectRef idx="0">
+            <a:schemeClr val="accent1"/>
+          </a:effectRef>
+          <a:fontRef idx="minor">
+            <a:schemeClr val="tx1"/>
+          </a:fontRef>
+        </p:style>
+      </p:cxnSp>
+      <p:sp>
+        <p:nvSpPr>
+          <p:cNvPr id="45" name="TextBox 44"/>
+          <p:cNvSpPr txBox="1"/>
+          <p:nvPr/>
+        </p:nvSpPr>
+        <p:spPr>
+          <a:xfrm>
+            <a:off x="7748408" y="3778806"/>
+            <a:ext cx="1835085" cy="146194"/>
+          </a:xfrm>
+          <a:prstGeom prst="rect">
+            <a:avLst/>
+          </a:prstGeom>
+          <a:noFill/>
+        </p:spPr>
+        <p:txBody>
+          <a:bodyPr wrap="square" lIns="0" tIns="0" rIns="0" bIns="0" rtlCol="0">
+            <a:spAutoFit/>
+          </a:bodyPr>
+          <a:lstStyle>
+            <a:defPPr>
+              <a:defRPr lang="en-US"/>
+            </a:defPPr>
+            <a:lvl1pPr algn="r">
+              <a:defRPr sz="1400">
+                <a:solidFill>
+                  <a:srgbClr val="0070C0"/>
+                </a:solidFill>
+              </a:defRPr>
+            </a:lvl1pPr>
+          </a:lstStyle>
+          <a:p>
+            <a:r>
+              <a:rPr lang="en-US" sz="950" dirty="0" err="1" smtClean="0">
+                <a:solidFill>
+                  <a:srgbClr val="7030A0"/>
+                </a:solidFill>
+              </a:rPr>
+              <a:t>updateFilteredStudentList</a:t>
+            </a:r>
+            <a:r>
+              <a:rPr lang="en-US" sz="950" dirty="0">
+                <a:solidFill>
+                  <a:srgbClr val="7030A0"/>
+                </a:solidFill>
+              </a:rPr>
+              <a:t>()</a:t>
+            </a:r>
+          </a:p>
+        </p:txBody>
+      </p:sp>
+      <p:sp>
+        <p:nvSpPr>
+          <p:cNvPr id="51" name="TextBox 50"/>
+          <p:cNvSpPr txBox="1"/>
+          <p:nvPr/>
+        </p:nvSpPr>
+        <p:spPr>
+          <a:xfrm>
+            <a:off x="7391391" y="4017433"/>
+            <a:ext cx="1835085" cy="153888"/>
+          </a:xfrm>
+          <a:prstGeom prst="rect">
+            <a:avLst/>
+          </a:prstGeom>
+          <a:noFill/>
+        </p:spPr>
+        <p:txBody>
+          <a:bodyPr wrap="square" lIns="0" tIns="0" rIns="0" bIns="0" rtlCol="0">
+            <a:spAutoFit/>
+          </a:bodyPr>
+          <a:lstStyle>
+            <a:defPPr>
+              <a:defRPr lang="en-US"/>
+            </a:defPPr>
+            <a:lvl1pPr algn="r">
+              <a:defRPr sz="1400">
+                <a:solidFill>
+                  <a:srgbClr val="0070C0"/>
+                </a:solidFill>
+              </a:defRPr>
+            </a:lvl1pPr>
+          </a:lstStyle>
+          <a:p>
+            <a:r>
+              <a:rPr lang="en-US" sz="1000" dirty="0" err="1" smtClean="0">
+                <a:solidFill>
+                  <a:srgbClr val="7030A0"/>
+                </a:solidFill>
+              </a:rPr>
+              <a:t>sortByDay</a:t>
+            </a:r>
+            <a:r>
+              <a:rPr lang="en-US" sz="1000" dirty="0" smtClean="0">
+                <a:solidFill>
+                  <a:srgbClr val="7030A0"/>
+                </a:solidFill>
+              </a:rPr>
+              <a:t>()</a:t>
+            </a:r>
+            <a:endParaRPr lang="en-US" sz="1000" dirty="0">
+              <a:solidFill>
+                <a:srgbClr val="7030A0"/>
+              </a:solidFill>
+            </a:endParaRPr>
+          </a:p>
+        </p:txBody>
+      </p:sp>
+    </p:spTree>
+    <p:extLst>
+      <p:ext uri="{BB962C8B-B14F-4D97-AF65-F5344CB8AC3E}">
+        <p14:creationId xmlns:p14="http://schemas.microsoft.com/office/powerpoint/2010/main" val="4227521412"/>
+      </p:ext>
+    </p:extLst>
+  </p:cSld>
+  <p:clrMapOvr>
+    <a:masterClrMapping/>
+  </p:clrMapOvr>
+  <p:timing>
+    <p:tnLst>
+      <p:par>
+        <p:cTn id="1" dur="indefinite" restart="never" nodeType="tmRoot"/>
+      </p:par>
+    </p:tnLst>
+  </p:timing>
 </p:sld>
 </file>
 
